--- a/学部3年/前期/学生実験/B1/プレゼン資料.pptx
+++ b/学部3年/前期/学生実験/B1/プレゼン資料.pptx
@@ -432,7 +432,7 @@
           <a:p>
             <a:fld id="{CCEC74FE-1D19-4D25-AB6B-BA4A192128FE}" type="datetimeFigureOut">
               <a:rPr kumimoji="1" lang="ja-JP" altLang="en-US" smtClean="0"/>
-              <a:t>2025/9/14</a:t>
+              <a:t>2025/9/15</a:t>
             </a:fld>
             <a:endParaRPr kumimoji="1" lang="ja-JP" altLang="en-US" dirty="0"/>
           </a:p>
@@ -550,7 +550,7 @@
           <a:p>
             <a:fld id="{CCEC74FE-1D19-4D25-AB6B-BA4A192128FE}" type="datetimeFigureOut">
               <a:rPr kumimoji="1" lang="ja-JP" altLang="en-US" smtClean="0"/>
-              <a:t>2025/9/14</a:t>
+              <a:t>2025/9/15</a:t>
             </a:fld>
             <a:endParaRPr kumimoji="1" lang="ja-JP" altLang="en-US"/>
           </a:p>
@@ -645,7 +645,7 @@
           <a:p>
             <a:fld id="{CCEC74FE-1D19-4D25-AB6B-BA4A192128FE}" type="datetimeFigureOut">
               <a:rPr kumimoji="1" lang="ja-JP" altLang="en-US" smtClean="0"/>
-              <a:t>2025/9/14</a:t>
+              <a:t>2025/9/15</a:t>
             </a:fld>
             <a:endParaRPr kumimoji="1" lang="ja-JP" altLang="en-US"/>
           </a:p>
@@ -796,7 +796,7 @@
           <a:p>
             <a:fld id="{CCEC74FE-1D19-4D25-AB6B-BA4A192128FE}" type="datetimeFigureOut">
               <a:rPr kumimoji="1" lang="ja-JP" altLang="en-US" smtClean="0"/>
-              <a:t>2025/9/14</a:t>
+              <a:t>2025/9/15</a:t>
             </a:fld>
             <a:endParaRPr kumimoji="1" lang="ja-JP" altLang="en-US"/>
           </a:p>
@@ -6007,232 +6007,184 @@
           <a:chExt cx="0" cy="0"/>
         </a:xfrm>
       </p:grpSpPr>
-      <p:sp>
-        <p:nvSpPr>
-          <p:cNvPr id="7" name="テキスト ボックス 6">
-            <a:extLst>
-              <a:ext uri="{FF2B5EF4-FFF2-40B4-BE49-F238E27FC236}">
-                <a16:creationId xmlns:a16="http://schemas.microsoft.com/office/drawing/2014/main" id="{97DCB5EB-9E2E-1F8A-B74F-08F0DAFD189E}"/>
-              </a:ext>
-            </a:extLst>
-          </p:cNvPr>
-          <p:cNvSpPr txBox="1"/>
-          <p:nvPr/>
-        </p:nvSpPr>
-        <p:spPr>
-          <a:xfrm>
-            <a:off x="1893205" y="7408829"/>
-            <a:ext cx="6192671" cy="1477328"/>
-          </a:xfrm>
-          <a:prstGeom prst="rect">
-            <a:avLst/>
-          </a:prstGeom>
-          <a:noFill/>
-        </p:spPr>
-        <p:txBody>
-          <a:bodyPr wrap="square" rtlCol="0">
-            <a:spAutoFit/>
-          </a:bodyPr>
-          <a:lstStyle/>
-          <a:p>
-            <a:r>
-              <a:rPr kumimoji="1" lang="ja-JP" altLang="en-US" dirty="0"/>
-              <a:t>シミュレーション条件</a:t>
-            </a:r>
-            <a:endParaRPr kumimoji="1" lang="en-US" altLang="ja-JP" dirty="0"/>
-          </a:p>
-          <a:p>
-            <a:r>
-              <a:rPr kumimoji="1" lang="ja-JP" altLang="en-US" dirty="0"/>
-              <a:t>・</a:t>
-            </a:r>
-            <a:r>
-              <a:rPr lang="ja-JP" altLang="en-US" dirty="0"/>
-              <a:t>初期濃度𝑐</a:t>
-            </a:r>
-            <a:r>
-              <a:rPr lang="en-US" altLang="ja-JP" baseline="-25000" dirty="0"/>
-              <a:t>0</a:t>
-            </a:r>
-            <a:r>
-              <a:rPr lang="en-US" altLang="ja-JP" dirty="0"/>
-              <a:t>=0.3~0.7</a:t>
-            </a:r>
-          </a:p>
-          <a:p>
-            <a:r>
-              <a:rPr kumimoji="1" lang="ja-JP" altLang="en-US" dirty="0"/>
-              <a:t>・</a:t>
-            </a:r>
-            <a:r>
-              <a:rPr lang="ja-JP" altLang="en-US" dirty="0"/>
-              <a:t>モビリティ𝑀</a:t>
-            </a:r>
-            <a:r>
-              <a:rPr lang="en-US" altLang="ja-JP" dirty="0"/>
-              <a:t>=1[</a:t>
-            </a:r>
-            <a:r>
-              <a:rPr lang="ja-JP" altLang="en-US" dirty="0"/>
-              <a:t>𝑚</a:t>
-            </a:r>
-            <a:r>
-              <a:rPr lang="en-US" altLang="ja-JP" baseline="30000" dirty="0"/>
-              <a:t>3</a:t>
-            </a:r>
-            <a:r>
-              <a:rPr lang="en-US" altLang="ja-JP" dirty="0"/>
-              <a:t> /</a:t>
-            </a:r>
-            <a:r>
-              <a:rPr lang="en-US" altLang="ja-JP" dirty="0">
-                <a:latin typeface="+mn-ea"/>
-              </a:rPr>
-              <a:t>J</a:t>
-            </a:r>
-            <a:r>
-              <a:rPr lang="ja-JP" altLang="en-US" dirty="0"/>
-              <a:t>∙𝑠</a:t>
-            </a:r>
-            <a:r>
-              <a:rPr lang="en-US" altLang="ja-JP" dirty="0"/>
-              <a:t>]</a:t>
-            </a:r>
-          </a:p>
-          <a:p>
-            <a:r>
-              <a:rPr kumimoji="1" lang="ja-JP" altLang="en-US" dirty="0"/>
-              <a:t>・</a:t>
-            </a:r>
-            <a:r>
-              <a:rPr lang="ja-JP" altLang="en-US" dirty="0"/>
-              <a:t>勾配エネルギー𝜅</a:t>
-            </a:r>
-            <a:r>
-              <a:rPr lang="en-US" altLang="ja-JP" dirty="0"/>
-              <a:t>= 0.5[</a:t>
-            </a:r>
-            <a:r>
-              <a:rPr lang="ja-JP" altLang="en-US" dirty="0"/>
-              <a:t>𝐽</a:t>
-            </a:r>
-            <a:r>
-              <a:rPr lang="en-US" altLang="ja-JP" dirty="0"/>
-              <a:t>/</a:t>
-            </a:r>
-            <a:r>
-              <a:rPr lang="ja-JP" altLang="en-US" dirty="0"/>
-              <a:t>𝑚</a:t>
-            </a:r>
-            <a:r>
-              <a:rPr lang="en-US" altLang="ja-JP" baseline="30000" dirty="0"/>
-              <a:t>3</a:t>
-            </a:r>
-            <a:r>
-              <a:rPr lang="en-US" altLang="ja-JP" dirty="0"/>
-              <a:t>]</a:t>
-            </a:r>
-          </a:p>
-          <a:p>
-            <a:r>
-              <a:rPr kumimoji="1" lang="ja-JP" altLang="en-US" dirty="0"/>
-              <a:t>・</a:t>
-            </a:r>
-            <a:r>
-              <a:rPr lang="ja-JP" altLang="en-US" dirty="0"/>
-              <a:t>エネルギー障壁の大きさ𝐴</a:t>
-            </a:r>
-            <a:r>
-              <a:rPr lang="en-US" altLang="ja-JP" dirty="0"/>
-              <a:t>=0.2~1.2[</a:t>
-            </a:r>
-            <a:r>
-              <a:rPr lang="ja-JP" altLang="en-US" dirty="0"/>
-              <a:t>𝐽</a:t>
-            </a:r>
-            <a:r>
-              <a:rPr lang="en-US" altLang="ja-JP" dirty="0"/>
-              <a:t>/</a:t>
-            </a:r>
-            <a:r>
-              <a:rPr lang="ja-JP" altLang="en-US" dirty="0"/>
-              <a:t>𝑚</a:t>
-            </a:r>
-            <a:r>
-              <a:rPr lang="en-US" altLang="ja-JP" baseline="30000" dirty="0"/>
-              <a:t>3</a:t>
-            </a:r>
-            <a:r>
-              <a:rPr lang="en-US" altLang="ja-JP" dirty="0"/>
-              <a:t>]</a:t>
-            </a:r>
-            <a:endParaRPr kumimoji="1" lang="en-US" altLang="ja-JP" dirty="0"/>
-          </a:p>
-        </p:txBody>
-      </p:sp>
-      <p:pic>
-        <p:nvPicPr>
-          <p:cNvPr id="4" name="図 3" descr="ダイアグラム&#10;&#10;AI 生成コンテンツは誤りを含む可能性があります。">
-            <a:extLst>
-              <a:ext uri="{FF2B5EF4-FFF2-40B4-BE49-F238E27FC236}">
-                <a16:creationId xmlns:a16="http://schemas.microsoft.com/office/drawing/2014/main" id="{AEFB640E-43D5-CA37-88CA-BB55D4E2C47E}"/>
-              </a:ext>
-            </a:extLst>
-          </p:cNvPr>
-          <p:cNvPicPr>
-            <a:picLocks noChangeAspect="1"/>
-          </p:cNvPicPr>
-          <p:nvPr/>
-        </p:nvPicPr>
-        <p:blipFill>
-          <a:blip r:embed="rId3">
-            <a:extLst>
-              <a:ext uri="{28A0092B-C50C-407E-A947-70E740481C1C}">
-                <a14:useLocalDpi xmlns:a14="http://schemas.microsoft.com/office/drawing/2010/main" val="0"/>
-              </a:ext>
-            </a:extLst>
-          </a:blip>
-          <a:stretch>
-            <a:fillRect/>
-          </a:stretch>
-        </p:blipFill>
-        <p:spPr>
-          <a:xfrm>
-            <a:off x="615203" y="962108"/>
-            <a:ext cx="8196223" cy="4781131"/>
-          </a:xfrm>
-          <a:prstGeom prst="rect">
-            <a:avLst/>
-          </a:prstGeom>
-        </p:spPr>
-      </p:pic>
-      <p:sp>
-        <p:nvSpPr>
-          <p:cNvPr id="3" name="正方形/長方形 2">
-            <a:extLst>
-              <a:ext uri="{FF2B5EF4-FFF2-40B4-BE49-F238E27FC236}">
-                <a16:creationId xmlns:a16="http://schemas.microsoft.com/office/drawing/2014/main" id="{C2E4313F-9615-AE95-5663-BA66CF8AC8E7}"/>
-              </a:ext>
-            </a:extLst>
-          </p:cNvPr>
-          <p:cNvSpPr/>
-          <p:nvPr/>
-        </p:nvSpPr>
-        <p:spPr>
-          <a:xfrm>
-            <a:off x="2609942" y="2346627"/>
-            <a:ext cx="762000" cy="790575"/>
-          </a:xfrm>
-          <a:prstGeom prst="rect">
-            <a:avLst/>
-          </a:prstGeom>
-          <a:solidFill>
-            <a:schemeClr val="bg1"/>
-          </a:solidFill>
-          <a:ln>
+      <p:grpSp>
+        <p:nvGrpSpPr>
+          <p:cNvPr id="5" name="グループ化 4">
+            <a:extLst>
+              <a:ext uri="{FF2B5EF4-FFF2-40B4-BE49-F238E27FC236}">
+                <a16:creationId xmlns:a16="http://schemas.microsoft.com/office/drawing/2014/main" id="{8E7367FB-1D26-AF65-84E1-6BA643746842}"/>
+              </a:ext>
+            </a:extLst>
+          </p:cNvPr>
+          <p:cNvGrpSpPr/>
+          <p:nvPr/>
+        </p:nvGrpSpPr>
+        <p:grpSpPr>
+          <a:xfrm>
+            <a:off x="812646" y="1609344"/>
+            <a:ext cx="7801342" cy="4688884"/>
+            <a:chOff x="769967" y="1566672"/>
+            <a:chExt cx="7421519" cy="4329220"/>
+          </a:xfrm>
+        </p:grpSpPr>
+        <p:pic>
+          <p:nvPicPr>
+            <p:cNvPr id="4" name="図 3" descr="ダイアグラム&#10;&#10;AI 生成コンテンツは誤りを含む可能性があります。">
+              <a:extLst>
+                <a:ext uri="{FF2B5EF4-FFF2-40B4-BE49-F238E27FC236}">
+                  <a16:creationId xmlns:a16="http://schemas.microsoft.com/office/drawing/2014/main" id="{AEFB640E-43D5-CA37-88CA-BB55D4E2C47E}"/>
+                </a:ext>
+              </a:extLst>
+            </p:cNvPr>
+            <p:cNvPicPr>
+              <a:picLocks noChangeAspect="1"/>
+            </p:cNvPicPr>
+            <p:nvPr/>
+          </p:nvPicPr>
+          <p:blipFill>
+            <a:blip r:embed="rId3">
+              <a:extLst>
+                <a:ext uri="{28A0092B-C50C-407E-A947-70E740481C1C}">
+                  <a14:useLocalDpi xmlns:a14="http://schemas.microsoft.com/office/drawing/2010/main" val="0"/>
+                </a:ext>
+              </a:extLst>
+            </a:blip>
+            <a:stretch>
+              <a:fillRect/>
+            </a:stretch>
+          </p:blipFill>
+          <p:spPr>
+            <a:xfrm>
+              <a:off x="769967" y="1566672"/>
+              <a:ext cx="7421519" cy="4329220"/>
+            </a:xfrm>
+            <a:prstGeom prst="rect">
+              <a:avLst/>
+            </a:prstGeom>
+          </p:spPr>
+        </p:pic>
+        <p:sp>
+          <p:nvSpPr>
+            <p:cNvPr id="3" name="正方形/長方形 2">
+              <a:extLst>
+                <a:ext uri="{FF2B5EF4-FFF2-40B4-BE49-F238E27FC236}">
+                  <a16:creationId xmlns:a16="http://schemas.microsoft.com/office/drawing/2014/main" id="{C2E4313F-9615-AE95-5663-BA66CF8AC8E7}"/>
+                </a:ext>
+              </a:extLst>
+            </p:cNvPr>
+            <p:cNvSpPr/>
+            <p:nvPr/>
+          </p:nvSpPr>
+          <p:spPr>
+            <a:xfrm>
+              <a:off x="2573366" y="2735961"/>
+              <a:ext cx="762000" cy="790575"/>
+            </a:xfrm>
+            <a:prstGeom prst="rect">
+              <a:avLst/>
+            </a:prstGeom>
             <a:solidFill>
               <a:schemeClr val="bg1"/>
             </a:solidFill>
+            <a:ln>
+              <a:solidFill>
+                <a:schemeClr val="bg1"/>
+              </a:solidFill>
+            </a:ln>
+          </p:spPr>
+          <p:style>
+            <a:lnRef idx="2">
+              <a:schemeClr val="accent1">
+                <a:shade val="15000"/>
+              </a:schemeClr>
+            </a:lnRef>
+            <a:fillRef idx="1">
+              <a:schemeClr val="accent1"/>
+            </a:fillRef>
+            <a:effectRef idx="0">
+              <a:schemeClr val="accent1"/>
+            </a:effectRef>
+            <a:fontRef idx="minor">
+              <a:schemeClr val="lt1"/>
+            </a:fontRef>
+          </p:style>
+          <p:txBody>
+            <a:bodyPr rtlCol="0" anchor="ctr"/>
+            <a:lstStyle/>
+            <a:p>
+              <a:pPr algn="ctr"/>
+              <a:r>
+                <a:rPr kumimoji="1" lang="en-US" altLang="ja-JP" sz="2000" dirty="0">
+                  <a:solidFill>
+                    <a:schemeClr val="tx1"/>
+                  </a:solidFill>
+                  <a:latin typeface="+mn-ea"/>
+                </a:rPr>
+                <a:t>PCA</a:t>
+              </a:r>
+              <a:endParaRPr kumimoji="1" lang="ja-JP" altLang="en-US" sz="2000" dirty="0">
+                <a:solidFill>
+                  <a:schemeClr val="tx1"/>
+                </a:solidFill>
+                <a:latin typeface="+mn-ea"/>
+              </a:endParaRPr>
+            </a:p>
+          </p:txBody>
+        </p:sp>
+      </p:grpSp>
+      <p:sp>
+        <p:nvSpPr>
+          <p:cNvPr id="8" name="タイトル 7">
+            <a:extLst>
+              <a:ext uri="{FF2B5EF4-FFF2-40B4-BE49-F238E27FC236}">
+                <a16:creationId xmlns:a16="http://schemas.microsoft.com/office/drawing/2014/main" id="{99DD5611-2955-2978-5BBA-FBB5FF0F1D79}"/>
+              </a:ext>
+            </a:extLst>
+          </p:cNvPr>
+          <p:cNvSpPr>
+            <a:spLocks noGrp="1"/>
+          </p:cNvSpPr>
+          <p:nvPr>
+            <p:ph type="title"/>
+          </p:nvPr>
+        </p:nvSpPr>
+        <p:spPr/>
+        <p:txBody>
+          <a:bodyPr/>
+          <a:lstStyle/>
+          <a:p>
+            <a:endParaRPr lang="ja-JP" altLang="en-US"/>
+          </a:p>
+        </p:txBody>
+      </p:sp>
+      <p:sp>
+        <p:nvSpPr>
+          <p:cNvPr id="9" name="正方形/長方形 8">
+            <a:extLst>
+              <a:ext uri="{FF2B5EF4-FFF2-40B4-BE49-F238E27FC236}">
+                <a16:creationId xmlns:a16="http://schemas.microsoft.com/office/drawing/2014/main" id="{623A16CA-92FA-5789-9E11-DA9CDFB6C63B}"/>
+              </a:ext>
+            </a:extLst>
+          </p:cNvPr>
+          <p:cNvSpPr/>
+          <p:nvPr/>
+        </p:nvSpPr>
+        <p:spPr>
+          <a:xfrm>
+            <a:off x="0" y="-1"/>
+            <a:ext cx="9144000" cy="962109"/>
+          </a:xfrm>
+          <a:prstGeom prst="rect">
+            <a:avLst/>
+          </a:prstGeom>
+          <a:solidFill>
+            <a:schemeClr val="accent6">
+              <a:lumMod val="40000"/>
+              <a:lumOff val="60000"/>
+            </a:schemeClr>
+          </a:solidFill>
+          <a:ln>
+            <a:noFill/>
           </a:ln>
         </p:spPr>
         <p:style>
@@ -6257,106 +6209,47 @@
           <a:p>
             <a:pPr algn="ctr"/>
             <a:r>
-              <a:rPr kumimoji="1" lang="en-US" altLang="ja-JP" dirty="0">
-                <a:solidFill>
-                  <a:schemeClr val="tx1"/>
-                </a:solidFill>
-                <a:latin typeface="+mn-ea"/>
-              </a:rPr>
-              <a:t>PCA</a:t>
-            </a:r>
-            <a:endParaRPr kumimoji="1" lang="ja-JP" altLang="en-US" dirty="0">
-              <a:solidFill>
-                <a:schemeClr val="tx1"/>
-              </a:solidFill>
-              <a:latin typeface="+mn-ea"/>
-            </a:endParaRPr>
-          </a:p>
-        </p:txBody>
-      </p:sp>
-      <p:sp>
-        <p:nvSpPr>
-          <p:cNvPr id="8" name="タイトル 7">
-            <a:extLst>
-              <a:ext uri="{FF2B5EF4-FFF2-40B4-BE49-F238E27FC236}">
-                <a16:creationId xmlns:a16="http://schemas.microsoft.com/office/drawing/2014/main" id="{99DD5611-2955-2978-5BBA-FBB5FF0F1D79}"/>
-              </a:ext>
-            </a:extLst>
-          </p:cNvPr>
-          <p:cNvSpPr>
-            <a:spLocks noGrp="1"/>
-          </p:cNvSpPr>
-          <p:nvPr>
-            <p:ph type="title"/>
-          </p:nvPr>
-        </p:nvSpPr>
-        <p:spPr/>
-        <p:txBody>
-          <a:bodyPr/>
-          <a:lstStyle/>
-          <a:p>
-            <a:endParaRPr lang="ja-JP" altLang="en-US"/>
-          </a:p>
-        </p:txBody>
-      </p:sp>
-      <p:sp>
-        <p:nvSpPr>
-          <p:cNvPr id="9" name="正方形/長方形 8">
-            <a:extLst>
-              <a:ext uri="{FF2B5EF4-FFF2-40B4-BE49-F238E27FC236}">
-                <a16:creationId xmlns:a16="http://schemas.microsoft.com/office/drawing/2014/main" id="{623A16CA-92FA-5789-9E11-DA9CDFB6C63B}"/>
-              </a:ext>
-            </a:extLst>
-          </p:cNvPr>
-          <p:cNvSpPr/>
-          <p:nvPr/>
-        </p:nvSpPr>
-        <p:spPr>
-          <a:xfrm>
-            <a:off x="0" y="-1"/>
-            <a:ext cx="9144000" cy="962109"/>
-          </a:xfrm>
-          <a:prstGeom prst="rect">
-            <a:avLst/>
-          </a:prstGeom>
-          <a:solidFill>
-            <a:schemeClr val="accent6">
-              <a:lumMod val="40000"/>
-              <a:lumOff val="60000"/>
-            </a:schemeClr>
-          </a:solidFill>
-          <a:ln>
-            <a:noFill/>
-          </a:ln>
-        </p:spPr>
-        <p:style>
-          <a:lnRef idx="2">
-            <a:schemeClr val="accent1">
-              <a:shade val="15000"/>
-            </a:schemeClr>
-          </a:lnRef>
-          <a:fillRef idx="1">
-            <a:schemeClr val="accent1"/>
-          </a:fillRef>
-          <a:effectRef idx="0">
-            <a:schemeClr val="accent1"/>
-          </a:effectRef>
-          <a:fontRef idx="minor">
-            <a:schemeClr val="lt1"/>
-          </a:fontRef>
-        </p:style>
-        <p:txBody>
-          <a:bodyPr rtlCol="0" anchor="ctr"/>
-          <a:lstStyle/>
-          <a:p>
-            <a:pPr algn="ctr"/>
-            <a:r>
               <a:rPr kumimoji="1" lang="ja-JP" altLang="en-US" sz="4400" dirty="0">
                 <a:solidFill>
                   <a:schemeClr val="tx1"/>
                 </a:solidFill>
               </a:rPr>
               <a:t>方法と原理</a:t>
+            </a:r>
+          </a:p>
+        </p:txBody>
+      </p:sp>
+      <p:sp>
+        <p:nvSpPr>
+          <p:cNvPr id="11" name="テキスト ボックス 10">
+            <a:extLst>
+              <a:ext uri="{FF2B5EF4-FFF2-40B4-BE49-F238E27FC236}">
+                <a16:creationId xmlns:a16="http://schemas.microsoft.com/office/drawing/2014/main" id="{19B68693-45BF-1722-0E2B-F4FCC85F1ABC}"/>
+              </a:ext>
+            </a:extLst>
+          </p:cNvPr>
+          <p:cNvSpPr txBox="1"/>
+          <p:nvPr/>
+        </p:nvSpPr>
+        <p:spPr>
+          <a:xfrm>
+            <a:off x="95250" y="1123950"/>
+            <a:ext cx="2087118" cy="523220"/>
+          </a:xfrm>
+          <a:prstGeom prst="rect">
+            <a:avLst/>
+          </a:prstGeom>
+          <a:noFill/>
+        </p:spPr>
+        <p:txBody>
+          <a:bodyPr wrap="square" rtlCol="0">
+            <a:spAutoFit/>
+          </a:bodyPr>
+          <a:lstStyle/>
+          <a:p>
+            <a:r>
+              <a:rPr kumimoji="1" lang="ja-JP" altLang="en-US" sz="2800" dirty="0"/>
+              <a:t>実験の流れ</a:t>
             </a:r>
           </a:p>
         </p:txBody>
@@ -6528,8 +6421,8 @@
           </a:p>
         </p:txBody>
       </p:sp>
-      <mc:AlternateContent xmlns:mc="http://schemas.openxmlformats.org/markup-compatibility/2006" xmlns:a14="http://schemas.microsoft.com/office/drawing/2010/main">
-        <mc:Choice Requires="a14">
+      <mc:AlternateContent xmlns:mc="http://schemas.openxmlformats.org/markup-compatibility/2006">
+        <mc:Choice xmlns:a14="http://schemas.microsoft.com/office/drawing/2010/main" Requires="a14">
           <p:sp>
             <p:nvSpPr>
               <p:cNvPr id="8" name="テキスト ボックス 7">
@@ -6544,7 +6437,7 @@
             </p:nvSpPr>
             <p:spPr>
               <a:xfrm>
-                <a:off x="-250031" y="4453379"/>
+                <a:off x="3070098" y="2694129"/>
                 <a:ext cx="4586286" cy="714683"/>
               </a:xfrm>
               <a:prstGeom prst="rect">
@@ -6732,7 +6625,7 @@
             </p:txBody>
           </p:sp>
         </mc:Choice>
-        <mc:Fallback xmlns="">
+        <mc:Fallback>
           <p:sp>
             <p:nvSpPr>
               <p:cNvPr id="8" name="テキスト ボックス 7">
@@ -6749,7 +6642,7 @@
             </p:nvSpPr>
             <p:spPr>
               <a:xfrm>
-                <a:off x="-250031" y="4453379"/>
+                <a:off x="3070098" y="2694129"/>
                 <a:ext cx="4586286" cy="714683"/>
               </a:xfrm>
               <a:prstGeom prst="rect">
@@ -6777,14 +6670,62 @@
           </p:sp>
         </mc:Fallback>
       </mc:AlternateContent>
-      <mc:AlternateContent xmlns:mc="http://schemas.openxmlformats.org/markup-compatibility/2006" xmlns:a14="http://schemas.microsoft.com/office/drawing/2010/main">
-        <mc:Choice Requires="a14">
+      <p:sp>
+        <p:nvSpPr>
+          <p:cNvPr id="5" name="テキスト ボックス 4">
+            <a:extLst>
+              <a:ext uri="{FF2B5EF4-FFF2-40B4-BE49-F238E27FC236}">
+                <a16:creationId xmlns:a16="http://schemas.microsoft.com/office/drawing/2014/main" id="{D69CA1B3-71FC-DC91-74AB-7666E001282E}"/>
+              </a:ext>
+            </a:extLst>
+          </p:cNvPr>
+          <p:cNvSpPr txBox="1"/>
+          <p:nvPr/>
+        </p:nvSpPr>
+        <p:spPr>
+          <a:xfrm>
+            <a:off x="3267456" y="2332232"/>
+            <a:ext cx="2340864" cy="400110"/>
+          </a:xfrm>
+          <a:prstGeom prst="rect">
+            <a:avLst/>
+          </a:prstGeom>
+          <a:noFill/>
+        </p:spPr>
+        <p:txBody>
+          <a:bodyPr wrap="square">
+            <a:spAutoFit/>
+          </a:bodyPr>
+          <a:lstStyle/>
+          <a:p>
+            <a:r>
+              <a:rPr lang="en-US" altLang="ja-JP" sz="2000" i="0" dirty="0">
+                <a:effectLst/>
+                <a:latin typeface="+mn-ea"/>
+              </a:rPr>
+              <a:t>Cahn-Hilliard</a:t>
+            </a:r>
+            <a:r>
+              <a:rPr lang="ja-JP" altLang="en-US" sz="2000" i="0" dirty="0">
+                <a:effectLst/>
+                <a:latin typeface="+mn-ea"/>
+              </a:rPr>
+              <a:t>方程式</a:t>
+            </a:r>
+            <a:endParaRPr lang="ja-JP" altLang="en-US" sz="2000" dirty="0">
+              <a:latin typeface="+mn-ea"/>
+            </a:endParaRPr>
+          </a:p>
+        </p:txBody>
+      </p:sp>
+      <mc:AlternateContent xmlns:mc="http://schemas.openxmlformats.org/markup-compatibility/2006">
+        <mc:Choice xmlns:a14="http://schemas.microsoft.com/office/drawing/2010/main" Requires="a14">
           <p:sp>
             <p:nvSpPr>
-              <p:cNvPr id="10" name="テキスト ボックス 9">
+              <p:cNvPr id="11" name="テキスト ボックス 10">
                 <a:extLst>
                   <a:ext uri="{FF2B5EF4-FFF2-40B4-BE49-F238E27FC236}">
-                    <a16:creationId xmlns:a16="http://schemas.microsoft.com/office/drawing/2014/main" id="{2C98DEFE-C3F1-411C-30EB-BB7D988275F2}"/>
+                    <a16:creationId xmlns:a16="http://schemas.microsoft.com/office/drawing/2014/main" id="{6D65449F-B10E-EE0E-2319-2C0B8EF7303D}"/>
                   </a:ext>
                 </a:extLst>
               </p:cNvPr>
@@ -6793,8 +6734,8 @@
             </p:nvSpPr>
             <p:spPr>
               <a:xfrm>
-                <a:off x="-304800" y="3038822"/>
-                <a:ext cx="4695824" cy="658770"/>
+                <a:off x="4144518" y="3779301"/>
+                <a:ext cx="4745736" cy="400110"/>
               </a:xfrm>
               <a:prstGeom prst="rect">
                 <a:avLst/>
@@ -6809,192 +6750,37 @@
               <a:p>
                 <a:pPr/>
                 <a14:m>
-                  <m:oMathPara xmlns:m="http://schemas.openxmlformats.org/officeDocument/2006/math">
-                    <m:oMathParaPr>
-                      <m:jc m:val="centerGroup"/>
-                    </m:oMathParaPr>
-                    <m:oMath xmlns:m="http://schemas.openxmlformats.org/officeDocument/2006/math">
-                      <m:r>
-                        <a:rPr lang="ja-JP" altLang="en-US" i="1" smtClean="0">
-                          <a:latin typeface="Cambria Math" panose="02040503050406030204" pitchFamily="18" charset="0"/>
-                        </a:rPr>
-                        <m:t>𝐹</m:t>
-                      </m:r>
-                      <m:d>
-                        <m:dPr>
-                          <m:begChr m:val="["/>
-                          <m:endChr m:val="]"/>
-                          <m:ctrlPr>
-                            <a:rPr lang="ja-JP" altLang="en-US" i="1">
-                              <a:latin typeface="Cambria Math" panose="02040503050406030204" pitchFamily="18" charset="0"/>
-                            </a:rPr>
-                          </m:ctrlPr>
-                        </m:dPr>
-                        <m:e>
-                          <m:r>
-                            <a:rPr lang="ja-JP" altLang="en-US" i="1">
-                              <a:latin typeface="Cambria Math" panose="02040503050406030204" pitchFamily="18" charset="0"/>
-                            </a:rPr>
-                            <m:t>𝜙</m:t>
-                          </m:r>
-                        </m:e>
-                      </m:d>
-                      <m:r>
-                        <a:rPr lang="ja-JP" altLang="en-US" i="0">
-                          <a:latin typeface="Cambria Math" panose="02040503050406030204" pitchFamily="18" charset="0"/>
-                        </a:rPr>
-                        <m:t>=</m:t>
-                      </m:r>
-                      <m:nary>
-                        <m:naryPr>
-                          <m:subHide m:val="on"/>
-                          <m:supHide m:val="on"/>
-                          <m:ctrlPr>
-                            <a:rPr lang="ja-JP" altLang="en-US" i="1">
-                              <a:latin typeface="Cambria Math" panose="02040503050406030204" pitchFamily="18" charset="0"/>
-                            </a:rPr>
-                          </m:ctrlPr>
-                        </m:naryPr>
-                        <m:sub/>
-                        <m:sup/>
-                        <m:e>
-                          <m:d>
-                            <m:dPr>
-                              <m:begChr m:val="["/>
-                              <m:endChr m:val="]"/>
-                              <m:ctrlPr>
-                                <a:rPr lang="ja-JP" altLang="en-US" i="1">
-                                  <a:latin typeface="Cambria Math" panose="02040503050406030204" pitchFamily="18" charset="0"/>
-                                </a:rPr>
-                              </m:ctrlPr>
-                            </m:dPr>
-                            <m:e>
-                              <m:r>
-                                <a:rPr lang="ja-JP" altLang="en-US" i="1">
-                                  <a:latin typeface="Cambria Math" panose="02040503050406030204" pitchFamily="18" charset="0"/>
-                                </a:rPr>
-                                <m:t>𝑓</m:t>
-                              </m:r>
-                              <m:d>
-                                <m:dPr>
-                                  <m:ctrlPr>
-                                    <a:rPr lang="ja-JP" altLang="en-US" i="1">
-                                      <a:latin typeface="Cambria Math" panose="02040503050406030204" pitchFamily="18" charset="0"/>
-                                    </a:rPr>
-                                  </m:ctrlPr>
-                                </m:dPr>
-                                <m:e>
-                                  <m:r>
-                                    <a:rPr lang="ja-JP" altLang="en-US" i="1">
-                                      <a:latin typeface="Cambria Math" panose="02040503050406030204" pitchFamily="18" charset="0"/>
-                                    </a:rPr>
-                                    <m:t>𝜙</m:t>
-                                  </m:r>
-                                </m:e>
-                              </m:d>
-                              <m:r>
-                                <a:rPr lang="ja-JP" altLang="en-US" i="0">
-                                  <a:latin typeface="Cambria Math" panose="02040503050406030204" pitchFamily="18" charset="0"/>
-                                </a:rPr>
-                                <m:t>+</m:t>
-                              </m:r>
-                              <m:f>
-                                <m:fPr>
-                                  <m:ctrlPr>
-                                    <a:rPr lang="ja-JP" altLang="en-US" i="1">
-                                      <a:latin typeface="Cambria Math" panose="02040503050406030204" pitchFamily="18" charset="0"/>
-                                    </a:rPr>
-                                  </m:ctrlPr>
-                                </m:fPr>
-                                <m:num>
-                                  <m:r>
-                                    <a:rPr lang="ja-JP" altLang="en-US" i="1">
-                                      <a:latin typeface="Cambria Math" panose="02040503050406030204" pitchFamily="18" charset="0"/>
-                                    </a:rPr>
-                                    <m:t>𝜅</m:t>
-                                  </m:r>
-                                </m:num>
-                                <m:den>
-                                  <m:r>
-                                    <a:rPr lang="ja-JP" altLang="en-US" i="0">
-                                      <a:latin typeface="Cambria Math" panose="02040503050406030204" pitchFamily="18" charset="0"/>
-                                    </a:rPr>
-                                    <m:t>2</m:t>
-                                  </m:r>
-                                </m:den>
-                              </m:f>
-                              <m:sSup>
-                                <m:sSupPr>
-                                  <m:ctrlPr>
-                                    <a:rPr lang="ja-JP" altLang="en-US" i="1">
-                                      <a:latin typeface="Cambria Math" panose="02040503050406030204" pitchFamily="18" charset="0"/>
-                                    </a:rPr>
-                                  </m:ctrlPr>
-                                </m:sSupPr>
-                                <m:e>
-                                  <m:d>
-                                    <m:dPr>
-                                      <m:begChr m:val="|"/>
-                                      <m:endChr m:val="|"/>
-                                      <m:ctrlPr>
-                                        <a:rPr lang="ja-JP" altLang="en-US" i="1">
-                                          <a:latin typeface="Cambria Math" panose="02040503050406030204" pitchFamily="18" charset="0"/>
-                                        </a:rPr>
-                                      </m:ctrlPr>
-                                    </m:dPr>
-                                    <m:e>
-                                      <m:r>
-                                        <m:rPr>
-                                          <m:sty m:val="p"/>
-                                        </m:rPr>
-                                        <a:rPr lang="ja-JP" altLang="en-US" i="0">
-                                          <a:latin typeface="Cambria Math" panose="02040503050406030204" pitchFamily="18" charset="0"/>
-                                        </a:rPr>
-                                        <m:t>∇</m:t>
-                                      </m:r>
-                                      <m:r>
-                                        <a:rPr lang="ja-JP" altLang="en-US" i="1">
-                                          <a:latin typeface="Cambria Math" panose="02040503050406030204" pitchFamily="18" charset="0"/>
-                                        </a:rPr>
-                                        <m:t>𝜙</m:t>
-                                      </m:r>
-                                    </m:e>
-                                  </m:d>
-                                </m:e>
-                                <m:sup>
-                                  <m:r>
-                                    <a:rPr lang="ja-JP" altLang="en-US" i="0">
-                                      <a:latin typeface="Cambria Math" panose="02040503050406030204" pitchFamily="18" charset="0"/>
-                                    </a:rPr>
-                                    <m:t>2</m:t>
-                                  </m:r>
-                                </m:sup>
-                              </m:sSup>
-                            </m:e>
-                          </m:d>
-                        </m:e>
-                      </m:nary>
-                      <m:r>
-                        <a:rPr lang="ja-JP" altLang="en-US" i="1">
-                          <a:latin typeface="Cambria Math" panose="02040503050406030204" pitchFamily="18" charset="0"/>
-                        </a:rPr>
-                        <m:t>𝑑𝑉</m:t>
-                      </m:r>
-                    </m:oMath>
-                  </m:oMathPara>
+                  <m:oMath xmlns:m="http://schemas.openxmlformats.org/officeDocument/2006/math">
+                    <m:r>
+                      <a:rPr lang="en-US" altLang="ja-JP" sz="2000" i="1" smtClean="0">
+                        <a:latin typeface="Cambria Math" panose="02040503050406030204" pitchFamily="18" charset="0"/>
+                      </a:rPr>
+                      <m:t>𝑀</m:t>
+                    </m:r>
+                    <m:r>
+                      <a:rPr lang="ja-JP" altLang="en-US" sz="2000" i="1">
+                        <a:latin typeface="Cambria Math" panose="02040503050406030204" pitchFamily="18" charset="0"/>
+                      </a:rPr>
+                      <m:t>：</m:t>
+                    </m:r>
+                  </m:oMath>
                 </a14:m>
+                <a:r>
+                  <a:rPr lang="ja-JP" altLang="en-US" sz="2000" dirty="0"/>
+                  <a:t>界面の移動速度に影響するパラメータ</a:t>
+                </a:r>
                 <a:endParaRPr lang="ja-JP" altLang="en-US" dirty="0"/>
               </a:p>
             </p:txBody>
           </p:sp>
         </mc:Choice>
-        <mc:Fallback xmlns="">
+        <mc:Fallback>
           <p:sp>
             <p:nvSpPr>
-              <p:cNvPr id="10" name="テキスト ボックス 9">
+              <p:cNvPr id="11" name="テキスト ボックス 10">
                 <a:extLst>
                   <a:ext uri="{FF2B5EF4-FFF2-40B4-BE49-F238E27FC236}">
-                    <a16:creationId xmlns:a16="http://schemas.microsoft.com/office/drawing/2014/main" id="{2C98DEFE-C3F1-411C-30EB-BB7D988275F2}"/>
+                    <a16:creationId xmlns:a16="http://schemas.microsoft.com/office/drawing/2014/main" id="{6D65449F-B10E-EE0E-2319-2C0B8EF7303D}"/>
                   </a:ext>
                 </a:extLst>
               </p:cNvPr>
@@ -7005,8 +6791,8 @@
             </p:nvSpPr>
             <p:spPr>
               <a:xfrm>
-                <a:off x="-304800" y="3038822"/>
-                <a:ext cx="4695824" cy="658770"/>
+                <a:off x="4144518" y="3779301"/>
+                <a:ext cx="4745736" cy="400110"/>
               </a:xfrm>
               <a:prstGeom prst="rect">
                 <a:avLst/>
@@ -7014,7 +6800,7 @@
               <a:blipFill>
                 <a:blip r:embed="rId3"/>
                 <a:stretch>
-                  <a:fillRect/>
+                  <a:fillRect t="-12121" b="-22727"/>
                 </a:stretch>
               </a:blipFill>
             </p:spPr>
@@ -7033,6 +6819,216 @@
           </p:sp>
         </mc:Fallback>
       </mc:AlternateContent>
+      <p:pic>
+        <p:nvPicPr>
+          <p:cNvPr id="13" name="図 12" descr="アイコン&#10;&#10;AI 生成コンテンツは誤りを含む可能性があります。">
+            <a:extLst>
+              <a:ext uri="{FF2B5EF4-FFF2-40B4-BE49-F238E27FC236}">
+                <a16:creationId xmlns:a16="http://schemas.microsoft.com/office/drawing/2014/main" id="{BED148A0-FE91-DAAA-82FD-B62BC59B47F7}"/>
+              </a:ext>
+            </a:extLst>
+          </p:cNvPr>
+          <p:cNvPicPr>
+            <a:picLocks noChangeAspect="1"/>
+          </p:cNvPicPr>
+          <p:nvPr/>
+        </p:nvPicPr>
+        <p:blipFill>
+          <a:blip r:embed="rId4">
+            <a:extLst>
+              <a:ext uri="{28A0092B-C50C-407E-A947-70E740481C1C}">
+                <a14:useLocalDpi xmlns:a14="http://schemas.microsoft.com/office/drawing/2010/main" val="0"/>
+              </a:ext>
+            </a:extLst>
+          </a:blip>
+          <a:stretch>
+            <a:fillRect/>
+          </a:stretch>
+        </p:blipFill>
+        <p:spPr>
+          <a:xfrm>
+            <a:off x="562681" y="2237969"/>
+            <a:ext cx="2417937" cy="2382062"/>
+          </a:xfrm>
+          <a:prstGeom prst="rect">
+            <a:avLst/>
+          </a:prstGeom>
+        </p:spPr>
+      </p:pic>
+      <p:sp>
+        <p:nvSpPr>
+          <p:cNvPr id="15" name="テキスト ボックス 14">
+            <a:extLst>
+              <a:ext uri="{FF2B5EF4-FFF2-40B4-BE49-F238E27FC236}">
+                <a16:creationId xmlns:a16="http://schemas.microsoft.com/office/drawing/2014/main" id="{97DCB5EB-9E2E-1F8A-B74F-08F0DAFD189E}"/>
+              </a:ext>
+            </a:extLst>
+          </p:cNvPr>
+          <p:cNvSpPr txBox="1"/>
+          <p:nvPr/>
+        </p:nvSpPr>
+        <p:spPr>
+          <a:xfrm>
+            <a:off x="1152360" y="5140833"/>
+            <a:ext cx="6571055" cy="1631216"/>
+          </a:xfrm>
+          <a:prstGeom prst="rect">
+            <a:avLst/>
+          </a:prstGeom>
+          <a:noFill/>
+        </p:spPr>
+        <p:txBody>
+          <a:bodyPr wrap="square" rtlCol="0">
+            <a:spAutoFit/>
+          </a:bodyPr>
+          <a:lstStyle/>
+          <a:p>
+            <a:r>
+              <a:rPr kumimoji="1" lang="ja-JP" altLang="en-US" sz="2000" dirty="0"/>
+              <a:t>今回の実験のシミュレーション条件</a:t>
+            </a:r>
+            <a:r>
+              <a:rPr kumimoji="1" lang="en-US" altLang="ja-JP" sz="2000" dirty="0"/>
+              <a:t>(</a:t>
+            </a:r>
+            <a:r>
+              <a:rPr kumimoji="1" lang="ja-JP" altLang="en-US" sz="2000" dirty="0"/>
+              <a:t>フェーズフィールド法</a:t>
+            </a:r>
+            <a:r>
+              <a:rPr kumimoji="1" lang="en-US" altLang="ja-JP" sz="2000" dirty="0"/>
+              <a:t>)</a:t>
+            </a:r>
+          </a:p>
+          <a:p>
+            <a:r>
+              <a:rPr kumimoji="1" lang="ja-JP" altLang="en-US" sz="2000" dirty="0"/>
+              <a:t>・</a:t>
+            </a:r>
+            <a:r>
+              <a:rPr lang="ja-JP" altLang="en-US" sz="2000" dirty="0"/>
+              <a:t>初期濃度𝑐</a:t>
+            </a:r>
+            <a:r>
+              <a:rPr lang="en-US" altLang="ja-JP" sz="2000" baseline="-25000" dirty="0"/>
+              <a:t>0</a:t>
+            </a:r>
+            <a:r>
+              <a:rPr lang="en-US" altLang="ja-JP" sz="2000" dirty="0"/>
+              <a:t>=0.3~0.7</a:t>
+            </a:r>
+          </a:p>
+          <a:p>
+            <a:r>
+              <a:rPr kumimoji="1" lang="ja-JP" altLang="en-US" sz="2000" dirty="0"/>
+              <a:t>・</a:t>
+            </a:r>
+            <a:r>
+              <a:rPr lang="ja-JP" altLang="en-US" sz="2000" dirty="0"/>
+              <a:t>モビリティ𝑀</a:t>
+            </a:r>
+            <a:r>
+              <a:rPr lang="en-US" altLang="ja-JP" sz="2000" dirty="0"/>
+              <a:t>=1[</a:t>
+            </a:r>
+            <a:r>
+              <a:rPr lang="ja-JP" altLang="en-US" sz="2000" dirty="0"/>
+              <a:t>𝑚</a:t>
+            </a:r>
+            <a:r>
+              <a:rPr lang="en-US" altLang="ja-JP" sz="2000" baseline="30000" dirty="0"/>
+              <a:t>3</a:t>
+            </a:r>
+            <a:r>
+              <a:rPr lang="en-US" altLang="ja-JP" sz="2000" dirty="0"/>
+              <a:t> /</a:t>
+            </a:r>
+            <a:r>
+              <a:rPr lang="en-US" altLang="ja-JP" sz="2000" dirty="0">
+                <a:latin typeface="+mn-ea"/>
+              </a:rPr>
+              <a:t>J</a:t>
+            </a:r>
+            <a:r>
+              <a:rPr lang="ja-JP" altLang="en-US" sz="2000" dirty="0"/>
+              <a:t>∙𝑠</a:t>
+            </a:r>
+            <a:r>
+              <a:rPr lang="en-US" altLang="ja-JP" sz="2000" dirty="0"/>
+              <a:t>]</a:t>
+            </a:r>
+          </a:p>
+          <a:p>
+            <a:r>
+              <a:rPr kumimoji="1" lang="ja-JP" altLang="en-US" sz="2000" dirty="0"/>
+              <a:t>・</a:t>
+            </a:r>
+            <a:r>
+              <a:rPr lang="ja-JP" altLang="en-US" sz="2000" dirty="0"/>
+              <a:t>勾配エネルギー𝜅</a:t>
+            </a:r>
+            <a:r>
+              <a:rPr lang="en-US" altLang="ja-JP" sz="2000" dirty="0"/>
+              <a:t>= 0.5[</a:t>
+            </a:r>
+            <a:r>
+              <a:rPr lang="ja-JP" altLang="en-US" sz="2000" dirty="0"/>
+              <a:t>𝐽</a:t>
+            </a:r>
+            <a:r>
+              <a:rPr lang="en-US" altLang="ja-JP" sz="2000" dirty="0"/>
+              <a:t>/</a:t>
+            </a:r>
+            <a:r>
+              <a:rPr lang="ja-JP" altLang="en-US" sz="2000" dirty="0"/>
+              <a:t>𝑚</a:t>
+            </a:r>
+            <a:r>
+              <a:rPr lang="en-US" altLang="ja-JP" sz="2000" baseline="30000" dirty="0"/>
+              <a:t>3</a:t>
+            </a:r>
+            <a:r>
+              <a:rPr lang="en-US" altLang="ja-JP" sz="2000" dirty="0"/>
+              <a:t>]</a:t>
+            </a:r>
+          </a:p>
+          <a:p>
+            <a:r>
+              <a:rPr kumimoji="1" lang="ja-JP" altLang="en-US" sz="2000" dirty="0"/>
+              <a:t>・</a:t>
+            </a:r>
+            <a:r>
+              <a:rPr lang="ja-JP" altLang="en-US" sz="2000" dirty="0"/>
+              <a:t>エネルギー障壁の大きさ𝐴</a:t>
+            </a:r>
+            <a:r>
+              <a:rPr lang="en-US" altLang="ja-JP" sz="2000" dirty="0"/>
+              <a:t>=0.2~1.2[</a:t>
+            </a:r>
+            <a:r>
+              <a:rPr lang="ja-JP" altLang="en-US" sz="2000" dirty="0"/>
+              <a:t>𝐽</a:t>
+            </a:r>
+            <a:r>
+              <a:rPr lang="en-US" altLang="ja-JP" sz="2000" dirty="0"/>
+              <a:t>/</a:t>
+            </a:r>
+            <a:r>
+              <a:rPr lang="ja-JP" altLang="en-US" sz="2000" dirty="0"/>
+              <a:t>𝑚</a:t>
+            </a:r>
+            <a:r>
+              <a:rPr lang="en-US" altLang="ja-JP" sz="2000" baseline="30000" dirty="0"/>
+              <a:t>3</a:t>
+            </a:r>
+            <a:r>
+              <a:rPr lang="en-US" altLang="ja-JP" sz="2000" dirty="0"/>
+              <a:t>]</a:t>
+            </a:r>
+            <a:endParaRPr kumimoji="1" lang="en-US" altLang="ja-JP" dirty="0"/>
+          </a:p>
+        </p:txBody>
+      </p:sp>
     </p:spTree>
     <p:extLst>
       <p:ext uri="{BB962C8B-B14F-4D97-AF65-F5344CB8AC3E}">
@@ -7065,10 +7061,10 @@
       </p:grpSpPr>
       <p:sp>
         <p:nvSpPr>
-          <p:cNvPr id="7" name="正方形/長方形 6">
-            <a:extLst>
-              <a:ext uri="{FF2B5EF4-FFF2-40B4-BE49-F238E27FC236}">
-                <a16:creationId xmlns:a16="http://schemas.microsoft.com/office/drawing/2014/main" id="{3EDFED3E-2174-FF7D-1570-F2347FAA869E}"/>
+          <p:cNvPr id="5" name="正方形/長方形 4">
+            <a:extLst>
+              <a:ext uri="{FF2B5EF4-FFF2-40B4-BE49-F238E27FC236}">
+                <a16:creationId xmlns:a16="http://schemas.microsoft.com/office/drawing/2014/main" id="{D127B052-EDBB-EAC5-3404-A5265BA95E26}"/>
               </a:ext>
             </a:extLst>
           </p:cNvPr>
@@ -7077,8 +7073,70 @@
         </p:nvSpPr>
         <p:spPr>
           <a:xfrm>
-            <a:off x="426022" y="3344677"/>
-            <a:ext cx="3732765" cy="3363984"/>
+            <a:off x="0" y="-1"/>
+            <a:ext cx="9144000" cy="962109"/>
+          </a:xfrm>
+          <a:prstGeom prst="rect">
+            <a:avLst/>
+          </a:prstGeom>
+          <a:solidFill>
+            <a:schemeClr val="accent6">
+              <a:lumMod val="40000"/>
+              <a:lumOff val="60000"/>
+            </a:schemeClr>
+          </a:solidFill>
+          <a:ln>
+            <a:noFill/>
+          </a:ln>
+        </p:spPr>
+        <p:style>
+          <a:lnRef idx="2">
+            <a:schemeClr val="accent1">
+              <a:shade val="15000"/>
+            </a:schemeClr>
+          </a:lnRef>
+          <a:fillRef idx="1">
+            <a:schemeClr val="accent1"/>
+          </a:fillRef>
+          <a:effectRef idx="0">
+            <a:schemeClr val="accent1"/>
+          </a:effectRef>
+          <a:fontRef idx="minor">
+            <a:schemeClr val="lt1"/>
+          </a:fontRef>
+        </p:style>
+        <p:txBody>
+          <a:bodyPr rtlCol="0" anchor="ctr"/>
+          <a:lstStyle/>
+          <a:p>
+            <a:pPr algn="ctr"/>
+            <a:r>
+              <a:rPr kumimoji="1" lang="ja-JP" altLang="en-US" sz="4400" dirty="0">
+                <a:solidFill>
+                  <a:schemeClr val="tx1"/>
+                </a:solidFill>
+              </a:rPr>
+              <a:t>方法と原理</a:t>
+            </a:r>
+          </a:p>
+        </p:txBody>
+      </p:sp>
+      <p:sp>
+        <p:nvSpPr>
+          <p:cNvPr id="6" name="正方形/長方形 5">
+            <a:extLst>
+              <a:ext uri="{FF2B5EF4-FFF2-40B4-BE49-F238E27FC236}">
+                <a16:creationId xmlns:a16="http://schemas.microsoft.com/office/drawing/2014/main" id="{4AB376DA-88CC-1130-0D54-AE306722C554}"/>
+              </a:ext>
+            </a:extLst>
+          </p:cNvPr>
+          <p:cNvSpPr/>
+          <p:nvPr/>
+        </p:nvSpPr>
+        <p:spPr>
+          <a:xfrm>
+            <a:off x="315014" y="2947709"/>
+            <a:ext cx="2825579" cy="1210055"/>
           </a:xfrm>
           <a:prstGeom prst="rect">
             <a:avLst/>
@@ -7088,7 +7146,7 @@
             <a:solidFill>
               <a:schemeClr val="tx1"/>
             </a:solidFill>
-            <a:prstDash val="solid"/>
+            <a:prstDash val="dash"/>
           </a:ln>
         </p:spPr>
         <p:style>
@@ -7112,309 +7170,521 @@
           <a:lstStyle/>
           <a:p>
             <a:pPr algn="ctr"/>
-            <a:endParaRPr kumimoji="1" lang="ja-JP" altLang="en-US"/>
-          </a:p>
-        </p:txBody>
-      </p:sp>
-      <p:sp>
-        <p:nvSpPr>
-          <p:cNvPr id="15" name="正方形/長方形 14">
-            <a:extLst>
-              <a:ext uri="{FF2B5EF4-FFF2-40B4-BE49-F238E27FC236}">
-                <a16:creationId xmlns:a16="http://schemas.microsoft.com/office/drawing/2014/main" id="{15E0AF7A-7E5A-D67E-4D79-AF34F0F331BC}"/>
-              </a:ext>
-            </a:extLst>
-          </p:cNvPr>
-          <p:cNvSpPr/>
-          <p:nvPr/>
-        </p:nvSpPr>
-        <p:spPr>
-          <a:xfrm>
-            <a:off x="4572000" y="3344677"/>
-            <a:ext cx="4242617" cy="3363984"/>
+            <a:endParaRPr kumimoji="1" lang="ja-JP" altLang="en-US" dirty="0"/>
+          </a:p>
+        </p:txBody>
+      </p:sp>
+      <p:sp>
+        <p:nvSpPr>
+          <p:cNvPr id="8" name="テキスト ボックス 7">
+            <a:extLst>
+              <a:ext uri="{FF2B5EF4-FFF2-40B4-BE49-F238E27FC236}">
+                <a16:creationId xmlns:a16="http://schemas.microsoft.com/office/drawing/2014/main" id="{2E21BE18-EF15-4C28-B435-ABB8E5CE5CA8}"/>
+              </a:ext>
+            </a:extLst>
+          </p:cNvPr>
+          <p:cNvSpPr txBox="1"/>
+          <p:nvPr/>
+        </p:nvSpPr>
+        <p:spPr>
+          <a:xfrm>
+            <a:off x="315013" y="2947709"/>
+            <a:ext cx="1787611" cy="461665"/>
           </a:xfrm>
           <a:prstGeom prst="rect">
             <a:avLst/>
           </a:prstGeom>
           <a:noFill/>
-          <a:ln>
+        </p:spPr>
+        <p:txBody>
+          <a:bodyPr wrap="square" rtlCol="0">
+            <a:spAutoFit/>
+          </a:bodyPr>
+          <a:lstStyle/>
+          <a:p>
+            <a:r>
+              <a:rPr kumimoji="1" lang="ja-JP" altLang="en-US" sz="2400" u="sng" dirty="0"/>
+              <a:t>機械学習</a:t>
+            </a:r>
+          </a:p>
+        </p:txBody>
+      </p:sp>
+      <p:grpSp>
+        <p:nvGrpSpPr>
+          <p:cNvPr id="23" name="グループ化 22">
+            <a:extLst>
+              <a:ext uri="{FF2B5EF4-FFF2-40B4-BE49-F238E27FC236}">
+                <a16:creationId xmlns:a16="http://schemas.microsoft.com/office/drawing/2014/main" id="{BC653D76-6AFB-B9D5-1913-10FE71903805}"/>
+              </a:ext>
+            </a:extLst>
+          </p:cNvPr>
+          <p:cNvGrpSpPr/>
+          <p:nvPr/>
+        </p:nvGrpSpPr>
+        <p:grpSpPr>
+          <a:xfrm>
+            <a:off x="4106713" y="4000861"/>
+            <a:ext cx="4530811" cy="1210055"/>
+            <a:chOff x="4106713" y="4000861"/>
+            <a:chExt cx="4530811" cy="1210055"/>
+          </a:xfrm>
+        </p:grpSpPr>
+        <p:sp>
+          <p:nvSpPr>
+            <p:cNvPr id="11" name="正方形/長方形 10">
+              <a:extLst>
+                <a:ext uri="{FF2B5EF4-FFF2-40B4-BE49-F238E27FC236}">
+                  <a16:creationId xmlns:a16="http://schemas.microsoft.com/office/drawing/2014/main" id="{8466EC83-66D1-B645-68C7-C9410740F562}"/>
+                </a:ext>
+              </a:extLst>
+            </p:cNvPr>
+            <p:cNvSpPr/>
+            <p:nvPr/>
+          </p:nvSpPr>
+          <p:spPr>
+            <a:xfrm>
+              <a:off x="4106713" y="4000861"/>
+              <a:ext cx="4530811" cy="1210055"/>
+            </a:xfrm>
+            <a:prstGeom prst="rect">
+              <a:avLst/>
+            </a:prstGeom>
+            <a:noFill/>
+            <a:ln>
+              <a:solidFill>
+                <a:schemeClr val="tx1"/>
+              </a:solidFill>
+              <a:prstDash val="dash"/>
+            </a:ln>
+          </p:spPr>
+          <p:style>
+            <a:lnRef idx="2">
+              <a:schemeClr val="accent1">
+                <a:shade val="50000"/>
+              </a:schemeClr>
+            </a:lnRef>
+            <a:fillRef idx="1">
+              <a:schemeClr val="accent1"/>
+            </a:fillRef>
+            <a:effectRef idx="0">
+              <a:schemeClr val="accent1"/>
+            </a:effectRef>
+            <a:fontRef idx="minor">
+              <a:schemeClr val="lt1"/>
+            </a:fontRef>
+          </p:style>
+          <p:txBody>
+            <a:bodyPr rtlCol="0" anchor="ctr"/>
+            <a:lstStyle/>
+            <a:p>
+              <a:pPr algn="ctr"/>
+              <a:endParaRPr kumimoji="1" lang="ja-JP" altLang="en-US" dirty="0"/>
+            </a:p>
+          </p:txBody>
+        </p:sp>
+        <p:sp>
+          <p:nvSpPr>
+            <p:cNvPr id="12" name="テキスト ボックス 11">
+              <a:extLst>
+                <a:ext uri="{FF2B5EF4-FFF2-40B4-BE49-F238E27FC236}">
+                  <a16:creationId xmlns:a16="http://schemas.microsoft.com/office/drawing/2014/main" id="{775572FE-7D88-CC88-B0D7-8143C2C11298}"/>
+                </a:ext>
+              </a:extLst>
+            </p:cNvPr>
+            <p:cNvSpPr txBox="1"/>
+            <p:nvPr/>
+          </p:nvSpPr>
+          <p:spPr>
+            <a:xfrm>
+              <a:off x="4173608" y="4022593"/>
+              <a:ext cx="2274718" cy="400110"/>
+            </a:xfrm>
+            <a:prstGeom prst="rect">
+              <a:avLst/>
+            </a:prstGeom>
+            <a:noFill/>
+          </p:spPr>
+          <p:txBody>
+            <a:bodyPr wrap="square" rtlCol="0">
+              <a:spAutoFit/>
+            </a:bodyPr>
+            <a:lstStyle/>
+            <a:p>
+              <a:r>
+                <a:rPr kumimoji="1" lang="ja-JP" altLang="en-US" sz="2000" u="sng" dirty="0"/>
+                <a:t>教師なし学習</a:t>
+              </a:r>
+            </a:p>
+          </p:txBody>
+        </p:sp>
+      </p:grpSp>
+      <p:cxnSp>
+        <p:nvCxnSpPr>
+          <p:cNvPr id="14" name="直線矢印コネクタ 13">
+            <a:extLst>
+              <a:ext uri="{FF2B5EF4-FFF2-40B4-BE49-F238E27FC236}">
+                <a16:creationId xmlns:a16="http://schemas.microsoft.com/office/drawing/2014/main" id="{66EBB038-1E7C-AFD4-DB12-BA310C6ADA97}"/>
+              </a:ext>
+            </a:extLst>
+          </p:cNvPr>
+          <p:cNvCxnSpPr>
+            <a:cxnSpLocks/>
+            <a:stCxn id="6" idx="3"/>
+            <a:endCxn id="11" idx="1"/>
+          </p:cNvCxnSpPr>
+          <p:nvPr/>
+        </p:nvCxnSpPr>
+        <p:spPr>
+          <a:xfrm>
+            <a:off x="3140593" y="3552737"/>
+            <a:ext cx="966120" cy="1053152"/>
+          </a:xfrm>
+          <a:prstGeom prst="bentConnector3">
+            <a:avLst>
+              <a:gd name="adj1" fmla="val 50000"/>
+            </a:avLst>
+          </a:prstGeom>
+          <a:ln w="38100">
             <a:solidFill>
               <a:schemeClr val="tx1"/>
             </a:solidFill>
-            <a:prstDash val="dash"/>
+            <a:tailEnd type="triangle"/>
           </a:ln>
         </p:spPr>
         <p:style>
-          <a:lnRef idx="2">
-            <a:schemeClr val="accent1">
-              <a:shade val="50000"/>
-            </a:schemeClr>
+          <a:lnRef idx="1">
+            <a:schemeClr val="accent1"/>
           </a:lnRef>
-          <a:fillRef idx="1">
+          <a:fillRef idx="0">
             <a:schemeClr val="accent1"/>
           </a:fillRef>
           <a:effectRef idx="0">
             <a:schemeClr val="accent1"/>
           </a:effectRef>
           <a:fontRef idx="minor">
-            <a:schemeClr val="lt1"/>
+            <a:schemeClr val="tx1"/>
           </a:fontRef>
         </p:style>
-        <p:txBody>
-          <a:bodyPr rtlCol="0" anchor="ctr"/>
-          <a:lstStyle/>
-          <a:p>
-            <a:pPr algn="ctr"/>
-            <a:endParaRPr kumimoji="1" lang="ja-JP" altLang="en-US" dirty="0"/>
-          </a:p>
-        </p:txBody>
-      </p:sp>
-      <p:sp>
-        <p:nvSpPr>
-          <p:cNvPr id="17" name="テキスト ボックス 16">
-            <a:extLst>
-              <a:ext uri="{FF2B5EF4-FFF2-40B4-BE49-F238E27FC236}">
-                <a16:creationId xmlns:a16="http://schemas.microsoft.com/office/drawing/2014/main" id="{C5BE8B6D-C392-CCA0-D62E-56F9EC36E0F6}"/>
-              </a:ext>
-            </a:extLst>
-          </p:cNvPr>
-          <p:cNvSpPr txBox="1"/>
-          <p:nvPr/>
-        </p:nvSpPr>
-        <p:spPr>
-          <a:xfrm>
-            <a:off x="5262467" y="4875765"/>
-            <a:ext cx="2861681" cy="369332"/>
-          </a:xfrm>
-          <a:prstGeom prst="rect">
-            <a:avLst/>
-          </a:prstGeom>
-          <a:noFill/>
-        </p:spPr>
-        <p:txBody>
-          <a:bodyPr wrap="none" rtlCol="0">
-            <a:spAutoFit/>
-          </a:bodyPr>
-          <a:lstStyle/>
-          <a:p>
-            <a:r>
-              <a:rPr kumimoji="1" lang="ja-JP" altLang="en-US" dirty="0">
-                <a:solidFill>
-                  <a:srgbClr val="FF0000"/>
-                </a:solidFill>
-              </a:rPr>
-              <a:t>フェーズフィールド法の説明</a:t>
-            </a:r>
-          </a:p>
-        </p:txBody>
-      </p:sp>
-      <p:sp>
-        <p:nvSpPr>
-          <p:cNvPr id="18" name="テキスト ボックス 17">
-            <a:extLst>
-              <a:ext uri="{FF2B5EF4-FFF2-40B4-BE49-F238E27FC236}">
-                <a16:creationId xmlns:a16="http://schemas.microsoft.com/office/drawing/2014/main" id="{90EC4C74-BEBA-373A-B42C-C85E7563E426}"/>
-              </a:ext>
-            </a:extLst>
-          </p:cNvPr>
-          <p:cNvSpPr txBox="1"/>
-          <p:nvPr/>
-        </p:nvSpPr>
-        <p:spPr>
-          <a:xfrm>
-            <a:off x="973884" y="4842003"/>
-            <a:ext cx="2630848" cy="369332"/>
-          </a:xfrm>
-          <a:prstGeom prst="rect">
-            <a:avLst/>
-          </a:prstGeom>
-          <a:noFill/>
-        </p:spPr>
-        <p:txBody>
-          <a:bodyPr wrap="none" rtlCol="0">
-            <a:spAutoFit/>
-          </a:bodyPr>
-          <a:lstStyle/>
-          <a:p>
-            <a:r>
-              <a:rPr kumimoji="1" lang="ja-JP" altLang="en-US" dirty="0">
-                <a:solidFill>
-                  <a:srgbClr val="FF0000"/>
-                </a:solidFill>
-              </a:rPr>
-              <a:t>フェーズフィールド法の式</a:t>
-            </a:r>
-          </a:p>
-        </p:txBody>
-      </p:sp>
-      <p:sp>
-        <p:nvSpPr>
-          <p:cNvPr id="2" name="正方形/長方形 1">
-            <a:extLst>
-              <a:ext uri="{FF2B5EF4-FFF2-40B4-BE49-F238E27FC236}">
-                <a16:creationId xmlns:a16="http://schemas.microsoft.com/office/drawing/2014/main" id="{822B12AE-3065-14D6-89F6-EC448F398BF5}"/>
-              </a:ext>
-            </a:extLst>
-          </p:cNvPr>
-          <p:cNvSpPr/>
-          <p:nvPr/>
-        </p:nvSpPr>
-        <p:spPr>
-          <a:xfrm>
-            <a:off x="0" y="3040"/>
-            <a:ext cx="2075290" cy="659741"/>
-          </a:xfrm>
-          <a:prstGeom prst="rect">
-            <a:avLst/>
-          </a:prstGeom>
-          <a:solidFill>
-            <a:schemeClr val="accent6">
-              <a:lumMod val="60000"/>
-              <a:lumOff val="40000"/>
-            </a:schemeClr>
-          </a:solidFill>
-          <a:ln>
-            <a:noFill/>
+      </p:cxnSp>
+      <p:cxnSp>
+        <p:nvCxnSpPr>
+          <p:cNvPr id="13" name="直線矢印コネクタ 14">
+            <a:extLst>
+              <a:ext uri="{FF2B5EF4-FFF2-40B4-BE49-F238E27FC236}">
+                <a16:creationId xmlns:a16="http://schemas.microsoft.com/office/drawing/2014/main" id="{ADA709EA-0BFC-D561-72EA-4DF62AD1193F}"/>
+              </a:ext>
+            </a:extLst>
+          </p:cNvPr>
+          <p:cNvCxnSpPr>
+            <a:cxnSpLocks/>
+            <a:stCxn id="6" idx="3"/>
+            <a:endCxn id="25" idx="1"/>
+          </p:cNvCxnSpPr>
+          <p:nvPr/>
+        </p:nvCxnSpPr>
+        <p:spPr>
+          <a:xfrm flipV="1">
+            <a:off x="3140593" y="2556633"/>
+            <a:ext cx="966119" cy="996104"/>
+          </a:xfrm>
+          <a:prstGeom prst="bentConnector3">
+            <a:avLst>
+              <a:gd name="adj1" fmla="val 50000"/>
+            </a:avLst>
+          </a:prstGeom>
+          <a:ln w="38100">
+            <a:solidFill>
+              <a:schemeClr val="tx1"/>
+            </a:solidFill>
+            <a:tailEnd type="triangle"/>
           </a:ln>
         </p:spPr>
         <p:style>
-          <a:lnRef idx="2">
-            <a:schemeClr val="accent1">
-              <a:shade val="15000"/>
-            </a:schemeClr>
+          <a:lnRef idx="1">
+            <a:schemeClr val="accent1"/>
           </a:lnRef>
-          <a:fillRef idx="1">
+          <a:fillRef idx="0">
             <a:schemeClr val="accent1"/>
           </a:fillRef>
           <a:effectRef idx="0">
             <a:schemeClr val="accent1"/>
           </a:effectRef>
           <a:fontRef idx="minor">
-            <a:schemeClr val="lt1"/>
+            <a:schemeClr val="tx1"/>
           </a:fontRef>
         </p:style>
-        <p:txBody>
-          <a:bodyPr rtlCol="0" anchor="ctr"/>
+      </p:cxnSp>
+      <p:sp>
+        <p:nvSpPr>
+          <p:cNvPr id="16" name="テキスト ボックス 15">
+            <a:extLst>
+              <a:ext uri="{FF2B5EF4-FFF2-40B4-BE49-F238E27FC236}">
+                <a16:creationId xmlns:a16="http://schemas.microsoft.com/office/drawing/2014/main" id="{D7ECD203-5F99-56B5-6627-DBA59217BDE8}"/>
+              </a:ext>
+            </a:extLst>
+          </p:cNvPr>
+          <p:cNvSpPr txBox="1"/>
+          <p:nvPr/>
+        </p:nvSpPr>
+        <p:spPr>
+          <a:xfrm>
+            <a:off x="465980" y="3409864"/>
+            <a:ext cx="2572625" cy="646331"/>
+          </a:xfrm>
+          <a:prstGeom prst="rect">
+            <a:avLst/>
+          </a:prstGeom>
+          <a:noFill/>
+        </p:spPr>
+        <p:txBody>
+          <a:bodyPr wrap="square" rtlCol="0">
+            <a:spAutoFit/>
+          </a:bodyPr>
           <a:lstStyle/>
           <a:p>
-            <a:pPr algn="ctr"/>
-            <a:endParaRPr kumimoji="1" lang="ja-JP" altLang="en-US"/>
-          </a:p>
-        </p:txBody>
-      </p:sp>
-      <p:sp>
-        <p:nvSpPr>
-          <p:cNvPr id="3" name="タイトル 1">
-            <a:extLst>
-              <a:ext uri="{FF2B5EF4-FFF2-40B4-BE49-F238E27FC236}">
-                <a16:creationId xmlns:a16="http://schemas.microsoft.com/office/drawing/2014/main" id="{664669FC-021C-8DFF-28CF-CA5188C93029}"/>
-              </a:ext>
-            </a:extLst>
-          </p:cNvPr>
-          <p:cNvSpPr txBox="1">
-            <a:spLocks/>
-          </p:cNvSpPr>
-          <p:nvPr/>
-        </p:nvSpPr>
-        <p:spPr>
-          <a:xfrm>
-            <a:off x="419205" y="1519"/>
-            <a:ext cx="1109358" cy="662781"/>
+            <a:r>
+              <a:rPr kumimoji="1" lang="ja-JP" altLang="en-US" dirty="0"/>
+              <a:t>・</a:t>
+            </a:r>
+            <a:r>
+              <a:rPr lang="ja-JP" altLang="en-US" dirty="0"/>
+              <a:t>データから規則を学び</a:t>
+            </a:r>
+            <a:endParaRPr lang="en-US" altLang="ja-JP" dirty="0"/>
+          </a:p>
+          <a:p>
+            <a:r>
+              <a:rPr lang="ja-JP" altLang="en-US" dirty="0"/>
+              <a:t>　予測・分類する方法</a:t>
+            </a:r>
+            <a:endParaRPr kumimoji="1" lang="ja-JP" altLang="en-US" dirty="0"/>
+          </a:p>
+        </p:txBody>
+      </p:sp>
+      <p:grpSp>
+        <p:nvGrpSpPr>
+          <p:cNvPr id="24" name="グループ化 23">
+            <a:extLst>
+              <a:ext uri="{FF2B5EF4-FFF2-40B4-BE49-F238E27FC236}">
+                <a16:creationId xmlns:a16="http://schemas.microsoft.com/office/drawing/2014/main" id="{7E1125F6-A581-1767-F125-592E9F7912F8}"/>
+              </a:ext>
+            </a:extLst>
+          </p:cNvPr>
+          <p:cNvGrpSpPr/>
+          <p:nvPr/>
+        </p:nvGrpSpPr>
+        <p:grpSpPr>
+          <a:xfrm>
+            <a:off x="4106712" y="1734104"/>
+            <a:ext cx="4530811" cy="1355441"/>
+            <a:chOff x="4063230" y="1349386"/>
+            <a:chExt cx="4530811" cy="1355441"/>
+          </a:xfrm>
+        </p:grpSpPr>
+        <p:sp>
+          <p:nvSpPr>
+            <p:cNvPr id="9" name="正方形/長方形 8">
+              <a:extLst>
+                <a:ext uri="{FF2B5EF4-FFF2-40B4-BE49-F238E27FC236}">
+                  <a16:creationId xmlns:a16="http://schemas.microsoft.com/office/drawing/2014/main" id="{8860DA18-54C3-1DF7-42E7-BDF184CEC0EB}"/>
+                </a:ext>
+              </a:extLst>
+            </p:cNvPr>
+            <p:cNvSpPr/>
+            <p:nvPr/>
+          </p:nvSpPr>
+          <p:spPr>
+            <a:xfrm>
+              <a:off x="4063230" y="1349386"/>
+              <a:ext cx="4530811" cy="1355441"/>
+            </a:xfrm>
+            <a:prstGeom prst="rect">
+              <a:avLst/>
+            </a:prstGeom>
+            <a:noFill/>
+            <a:ln>
+              <a:solidFill>
+                <a:schemeClr val="tx1"/>
+              </a:solidFill>
+              <a:prstDash val="dash"/>
+            </a:ln>
+          </p:spPr>
+          <p:style>
+            <a:lnRef idx="2">
+              <a:schemeClr val="accent1">
+                <a:shade val="50000"/>
+              </a:schemeClr>
+            </a:lnRef>
+            <a:fillRef idx="1">
+              <a:schemeClr val="accent1"/>
+            </a:fillRef>
+            <a:effectRef idx="0">
+              <a:schemeClr val="accent1"/>
+            </a:effectRef>
+            <a:fontRef idx="minor">
+              <a:schemeClr val="lt1"/>
+            </a:fontRef>
+          </p:style>
+          <p:txBody>
+            <a:bodyPr rtlCol="0" anchor="ctr"/>
+            <a:lstStyle/>
+            <a:p>
+              <a:pPr algn="ctr"/>
+              <a:endParaRPr kumimoji="1" lang="ja-JP" altLang="en-US" dirty="0"/>
+            </a:p>
+          </p:txBody>
+        </p:sp>
+        <p:sp>
+          <p:nvSpPr>
+            <p:cNvPr id="10" name="テキスト ボックス 9">
+              <a:extLst>
+                <a:ext uri="{FF2B5EF4-FFF2-40B4-BE49-F238E27FC236}">
+                  <a16:creationId xmlns:a16="http://schemas.microsoft.com/office/drawing/2014/main" id="{2FCD229A-5023-48D5-887B-D8F74C2B4104}"/>
+                </a:ext>
+              </a:extLst>
+            </p:cNvPr>
+            <p:cNvSpPr txBox="1"/>
+            <p:nvPr/>
+          </p:nvSpPr>
+          <p:spPr>
+            <a:xfrm>
+              <a:off x="4173609" y="1395073"/>
+              <a:ext cx="2112692" cy="400110"/>
+            </a:xfrm>
+            <a:prstGeom prst="rect">
+              <a:avLst/>
+            </a:prstGeom>
+            <a:noFill/>
+          </p:spPr>
+          <p:txBody>
+            <a:bodyPr wrap="square" rtlCol="0">
+              <a:spAutoFit/>
+            </a:bodyPr>
+            <a:lstStyle/>
+            <a:p>
+              <a:r>
+                <a:rPr kumimoji="1" lang="ja-JP" altLang="en-US" sz="2000" u="sng" dirty="0"/>
+                <a:t>教師あり学習</a:t>
+              </a:r>
+            </a:p>
+          </p:txBody>
+        </p:sp>
+        <p:sp>
+          <p:nvSpPr>
+            <p:cNvPr id="25" name="テキスト ボックス 24">
+              <a:extLst>
+                <a:ext uri="{FF2B5EF4-FFF2-40B4-BE49-F238E27FC236}">
+                  <a16:creationId xmlns:a16="http://schemas.microsoft.com/office/drawing/2014/main" id="{2CF64BA6-17F8-9E59-69B1-31F33242C350}"/>
+                </a:ext>
+              </a:extLst>
+            </p:cNvPr>
+            <p:cNvSpPr txBox="1"/>
+            <p:nvPr/>
+          </p:nvSpPr>
+          <p:spPr>
+            <a:xfrm>
+              <a:off x="4063230" y="1848749"/>
+              <a:ext cx="4359176" cy="646331"/>
+            </a:xfrm>
+            <a:prstGeom prst="rect">
+              <a:avLst/>
+            </a:prstGeom>
+            <a:noFill/>
+          </p:spPr>
+          <p:txBody>
+            <a:bodyPr wrap="square" rtlCol="0">
+              <a:spAutoFit/>
+            </a:bodyPr>
+            <a:lstStyle/>
+            <a:p>
+              <a:r>
+                <a:rPr kumimoji="1" lang="ja-JP" altLang="en-US" dirty="0"/>
+                <a:t>・入力データと出力データを与えて学習させ，</a:t>
+              </a:r>
+              <a:endParaRPr kumimoji="1" lang="en-US" altLang="ja-JP" dirty="0"/>
+            </a:p>
+            <a:p>
+              <a:r>
+                <a:rPr kumimoji="1" lang="ja-JP" altLang="en-US" dirty="0"/>
+                <a:t>　予測・分類する方法</a:t>
+              </a:r>
+            </a:p>
+          </p:txBody>
+        </p:sp>
+      </p:grpSp>
+      <p:sp>
+        <p:nvSpPr>
+          <p:cNvPr id="26" name="テキスト ボックス 25">
+            <a:extLst>
+              <a:ext uri="{FF2B5EF4-FFF2-40B4-BE49-F238E27FC236}">
+                <a16:creationId xmlns:a16="http://schemas.microsoft.com/office/drawing/2014/main" id="{E940E79A-113F-CF7F-81B6-B6679EE05CBA}"/>
+              </a:ext>
+            </a:extLst>
+          </p:cNvPr>
+          <p:cNvSpPr txBox="1"/>
+          <p:nvPr/>
+        </p:nvSpPr>
+        <p:spPr>
+          <a:xfrm>
+            <a:off x="4106713" y="4468052"/>
+            <a:ext cx="4359176" cy="646331"/>
           </a:xfrm>
           <a:prstGeom prst="rect">
             <a:avLst/>
           </a:prstGeom>
-        </p:spPr>
-        <p:txBody>
-          <a:bodyPr vert="horz" lIns="91440" tIns="45720" rIns="91440" bIns="45720" rtlCol="0" anchor="ctr">
-            <a:normAutofit/>
+          <a:noFill/>
+        </p:spPr>
+        <p:txBody>
+          <a:bodyPr wrap="square" rtlCol="0">
+            <a:spAutoFit/>
           </a:bodyPr>
-          <a:lstStyle>
-            <a:lvl1pPr algn="ctr" defTabSz="914400" rtl="0" eaLnBrk="1" latinLnBrk="0" hangingPunct="1">
-              <a:lnSpc>
-                <a:spcPct val="90000"/>
-              </a:lnSpc>
-              <a:spcBef>
-                <a:spcPct val="0"/>
-              </a:spcBef>
-              <a:buNone/>
-              <a:defRPr kumimoji="1" sz="3200" kern="1200">
-                <a:solidFill>
-                  <a:schemeClr val="tx1"/>
-                </a:solidFill>
-                <a:latin typeface="+mj-lt"/>
-                <a:ea typeface="+mj-ea"/>
-                <a:cs typeface="+mj-cs"/>
-              </a:defRPr>
-            </a:lvl1pPr>
-          </a:lstStyle>
-          <a:p>
-            <a:pPr algn="l"/>
-            <a:r>
-              <a:rPr lang="ja-JP" altLang="en-US" dirty="0"/>
-              <a:t>原理</a:t>
-            </a:r>
-          </a:p>
-        </p:txBody>
-      </p:sp>
-      <p:sp>
-        <p:nvSpPr>
-          <p:cNvPr id="4" name="正方形/長方形 3">
-            <a:extLst>
-              <a:ext uri="{FF2B5EF4-FFF2-40B4-BE49-F238E27FC236}">
-                <a16:creationId xmlns:a16="http://schemas.microsoft.com/office/drawing/2014/main" id="{EF91E2A8-8D24-DEEE-CC88-1D83290B905F}"/>
-              </a:ext>
-            </a:extLst>
-          </p:cNvPr>
-          <p:cNvSpPr/>
-          <p:nvPr/>
-        </p:nvSpPr>
-        <p:spPr>
-          <a:xfrm>
-            <a:off x="2075290" y="-1"/>
-            <a:ext cx="7068710" cy="662781"/>
+          <a:lstStyle/>
+          <a:p>
+            <a:r>
+              <a:rPr kumimoji="1" lang="ja-JP" altLang="en-US" dirty="0"/>
+              <a:t>・入力データのみを与えて学習させ，</a:t>
+            </a:r>
+            <a:endParaRPr kumimoji="1" lang="en-US" altLang="ja-JP" dirty="0"/>
+          </a:p>
+          <a:p>
+            <a:r>
+              <a:rPr kumimoji="1" lang="ja-JP" altLang="en-US" dirty="0"/>
+              <a:t>　予測・分類する方法</a:t>
+            </a:r>
+          </a:p>
+        </p:txBody>
+      </p:sp>
+      <p:sp>
+        <p:nvSpPr>
+          <p:cNvPr id="19" name="テキスト ボックス 18">
+            <a:extLst>
+              <a:ext uri="{FF2B5EF4-FFF2-40B4-BE49-F238E27FC236}">
+                <a16:creationId xmlns:a16="http://schemas.microsoft.com/office/drawing/2014/main" id="{E9C0A9FD-0589-2051-51CE-01A0F17B5541}"/>
+              </a:ext>
+            </a:extLst>
+          </p:cNvPr>
+          <p:cNvSpPr txBox="1"/>
+          <p:nvPr/>
+        </p:nvSpPr>
+        <p:spPr>
+          <a:xfrm>
+            <a:off x="95250" y="1123950"/>
+            <a:ext cx="4476750" cy="523220"/>
           </a:xfrm>
           <a:prstGeom prst="rect">
             <a:avLst/>
           </a:prstGeom>
-          <a:solidFill>
-            <a:schemeClr val="accent6">
-              <a:lumMod val="40000"/>
-              <a:lumOff val="60000"/>
-            </a:schemeClr>
-          </a:solidFill>
-          <a:ln>
-            <a:noFill/>
-          </a:ln>
-        </p:spPr>
-        <p:style>
-          <a:lnRef idx="2">
-            <a:schemeClr val="accent1">
-              <a:shade val="15000"/>
-            </a:schemeClr>
-          </a:lnRef>
-          <a:fillRef idx="1">
-            <a:schemeClr val="accent1"/>
-          </a:fillRef>
-          <a:effectRef idx="0">
-            <a:schemeClr val="accent1"/>
-          </a:effectRef>
-          <a:fontRef idx="minor">
-            <a:schemeClr val="lt1"/>
-          </a:fontRef>
-        </p:style>
-        <p:txBody>
-          <a:bodyPr rtlCol="0" anchor="ctr"/>
+          <a:noFill/>
+        </p:spPr>
+        <p:txBody>
+          <a:bodyPr wrap="square" rtlCol="0">
+            <a:spAutoFit/>
+          </a:bodyPr>
           <a:lstStyle/>
           <a:p>
-            <a:pPr algn="ctr"/>
-            <a:r>
-              <a:rPr kumimoji="1" lang="ja-JP" altLang="en-US" sz="2700" dirty="0">
-                <a:solidFill>
-                  <a:schemeClr val="tx1"/>
-                </a:solidFill>
-              </a:rPr>
-              <a:t>機械学習のプロセス</a:t>
+            <a:r>
+              <a:rPr kumimoji="1" lang="ja-JP" altLang="en-US" sz="2800" dirty="0"/>
+              <a:t>機械学習の種類</a:t>
             </a:r>
           </a:p>
         </p:txBody>
@@ -7449,802 +7719,6 @@
           <a:chExt cx="0" cy="0"/>
         </a:xfrm>
       </p:grpSpPr>
-      <p:sp>
-        <p:nvSpPr>
-          <p:cNvPr id="3" name="テキスト ボックス 2">
-            <a:extLst>
-              <a:ext uri="{FF2B5EF4-FFF2-40B4-BE49-F238E27FC236}">
-                <a16:creationId xmlns:a16="http://schemas.microsoft.com/office/drawing/2014/main" id="{EEDAAE3F-165F-6E07-F6F8-E0F06A915F4C}"/>
-              </a:ext>
-            </a:extLst>
-          </p:cNvPr>
-          <p:cNvSpPr txBox="1"/>
-          <p:nvPr/>
-        </p:nvSpPr>
-        <p:spPr>
-          <a:xfrm>
-            <a:off x="109583" y="5728510"/>
-            <a:ext cx="1005403" cy="584775"/>
-          </a:xfrm>
-          <a:prstGeom prst="rect">
-            <a:avLst/>
-          </a:prstGeom>
-          <a:noFill/>
-        </p:spPr>
-        <p:txBody>
-          <a:bodyPr wrap="none" rtlCol="0">
-            <a:spAutoFit/>
-          </a:bodyPr>
-          <a:lstStyle/>
-          <a:p>
-            <a:r>
-              <a:rPr kumimoji="1" lang="ja-JP" altLang="en-US" sz="3200" dirty="0"/>
-              <a:t>目的</a:t>
-            </a:r>
-          </a:p>
-        </p:txBody>
-      </p:sp>
-      <p:sp>
-        <p:nvSpPr>
-          <p:cNvPr id="4" name="正方形/長方形 3">
-            <a:extLst>
-              <a:ext uri="{FF2B5EF4-FFF2-40B4-BE49-F238E27FC236}">
-                <a16:creationId xmlns:a16="http://schemas.microsoft.com/office/drawing/2014/main" id="{629889BA-41D1-22B1-427E-23A1AE539A17}"/>
-              </a:ext>
-            </a:extLst>
-          </p:cNvPr>
-          <p:cNvSpPr/>
-          <p:nvPr/>
-        </p:nvSpPr>
-        <p:spPr>
-          <a:xfrm>
-            <a:off x="1350628" y="5737794"/>
-            <a:ext cx="7389717" cy="804821"/>
-          </a:xfrm>
-          <a:prstGeom prst="rect">
-            <a:avLst/>
-          </a:prstGeom>
-          <a:noFill/>
-          <a:ln>
-            <a:solidFill>
-              <a:schemeClr val="tx1"/>
-            </a:solidFill>
-            <a:prstDash val="dash"/>
-          </a:ln>
-        </p:spPr>
-        <p:style>
-          <a:lnRef idx="2">
-            <a:schemeClr val="accent1">
-              <a:shade val="50000"/>
-            </a:schemeClr>
-          </a:lnRef>
-          <a:fillRef idx="1">
-            <a:schemeClr val="accent1"/>
-          </a:fillRef>
-          <a:effectRef idx="0">
-            <a:schemeClr val="accent1"/>
-          </a:effectRef>
-          <a:fontRef idx="minor">
-            <a:schemeClr val="lt1"/>
-          </a:fontRef>
-        </p:style>
-        <p:txBody>
-          <a:bodyPr rtlCol="0" anchor="ctr"/>
-          <a:lstStyle/>
-          <a:p>
-            <a:pPr algn="ctr"/>
-            <a:endParaRPr kumimoji="1" lang="ja-JP" altLang="en-US"/>
-          </a:p>
-        </p:txBody>
-      </p:sp>
-      <p:sp>
-        <p:nvSpPr>
-          <p:cNvPr id="12" name="テキスト ボックス 11">
-            <a:extLst>
-              <a:ext uri="{FF2B5EF4-FFF2-40B4-BE49-F238E27FC236}">
-                <a16:creationId xmlns:a16="http://schemas.microsoft.com/office/drawing/2014/main" id="{84E32587-BFFD-53FE-887D-30B75BE53737}"/>
-              </a:ext>
-            </a:extLst>
-          </p:cNvPr>
-          <p:cNvSpPr txBox="1"/>
-          <p:nvPr/>
-        </p:nvSpPr>
-        <p:spPr>
-          <a:xfrm>
-            <a:off x="1350628" y="5850598"/>
-            <a:ext cx="7274388" cy="646331"/>
-          </a:xfrm>
-          <a:prstGeom prst="rect">
-            <a:avLst/>
-          </a:prstGeom>
-          <a:noFill/>
-        </p:spPr>
-        <p:txBody>
-          <a:bodyPr wrap="square" rtlCol="0">
-            <a:spAutoFit/>
-          </a:bodyPr>
-          <a:lstStyle/>
-          <a:p>
-            <a:r>
-              <a:rPr kumimoji="1" lang="ja-JP" altLang="en-US" dirty="0"/>
-              <a:t>・金属組織画像から得られる情報を基に機械学習を行い，微細構造と材料</a:t>
-            </a:r>
-            <a:endParaRPr kumimoji="1" lang="en-US" altLang="ja-JP" dirty="0"/>
-          </a:p>
-          <a:p>
-            <a:r>
-              <a:rPr kumimoji="1" lang="ja-JP" altLang="en-US" dirty="0"/>
-              <a:t>　特性の関係を多様な手段で解析し，違いを明確にすること</a:t>
-            </a:r>
-          </a:p>
-        </p:txBody>
-      </p:sp>
-      <p:sp>
-        <p:nvSpPr>
-          <p:cNvPr id="5" name="タイトル 1">
-            <a:extLst>
-              <a:ext uri="{FF2B5EF4-FFF2-40B4-BE49-F238E27FC236}">
-                <a16:creationId xmlns:a16="http://schemas.microsoft.com/office/drawing/2014/main" id="{A8734AB4-832A-7458-7FF8-B6594488BDE2}"/>
-              </a:ext>
-            </a:extLst>
-          </p:cNvPr>
-          <p:cNvSpPr txBox="1">
-            <a:spLocks/>
-          </p:cNvSpPr>
-          <p:nvPr/>
-        </p:nvSpPr>
-        <p:spPr>
-          <a:xfrm>
-            <a:off x="109583" y="213324"/>
-            <a:ext cx="7886700" cy="662781"/>
-          </a:xfrm>
-          <a:prstGeom prst="rect">
-            <a:avLst/>
-          </a:prstGeom>
-        </p:spPr>
-        <p:txBody>
-          <a:bodyPr vert="horz" lIns="91440" tIns="45720" rIns="91440" bIns="45720" rtlCol="0" anchor="ctr">
-            <a:normAutofit/>
-          </a:bodyPr>
-          <a:lstStyle>
-            <a:lvl1pPr algn="ctr" defTabSz="914400" rtl="0" eaLnBrk="1" latinLnBrk="0" hangingPunct="1">
-              <a:lnSpc>
-                <a:spcPct val="90000"/>
-              </a:lnSpc>
-              <a:spcBef>
-                <a:spcPct val="0"/>
-              </a:spcBef>
-              <a:buNone/>
-              <a:defRPr kumimoji="1" sz="3200" kern="1200">
-                <a:solidFill>
-                  <a:schemeClr val="tx1"/>
-                </a:solidFill>
-                <a:latin typeface="+mj-lt"/>
-                <a:ea typeface="+mj-ea"/>
-                <a:cs typeface="+mj-cs"/>
-              </a:defRPr>
-            </a:lvl1pPr>
-          </a:lstStyle>
-          <a:p>
-            <a:pPr algn="l"/>
-            <a:r>
-              <a:rPr lang="ja-JP" altLang="en-US" dirty="0"/>
-              <a:t>原理</a:t>
-            </a:r>
-            <a:r>
-              <a:rPr lang="en-US" altLang="ja-JP" dirty="0"/>
-              <a:t>2</a:t>
-            </a:r>
-            <a:endParaRPr lang="ja-JP" altLang="en-US" dirty="0"/>
-          </a:p>
-        </p:txBody>
-      </p:sp>
-      <p:sp>
-        <p:nvSpPr>
-          <p:cNvPr id="6" name="正方形/長方形 5">
-            <a:extLst>
-              <a:ext uri="{FF2B5EF4-FFF2-40B4-BE49-F238E27FC236}">
-                <a16:creationId xmlns:a16="http://schemas.microsoft.com/office/drawing/2014/main" id="{4AB376DA-88CC-1130-0D54-AE306722C554}"/>
-              </a:ext>
-            </a:extLst>
-          </p:cNvPr>
-          <p:cNvSpPr/>
-          <p:nvPr/>
-        </p:nvSpPr>
-        <p:spPr>
-          <a:xfrm>
-            <a:off x="461318" y="2143037"/>
-            <a:ext cx="2825579" cy="1210055"/>
-          </a:xfrm>
-          <a:prstGeom prst="rect">
-            <a:avLst/>
-          </a:prstGeom>
-          <a:noFill/>
-          <a:ln>
-            <a:solidFill>
-              <a:schemeClr val="tx1"/>
-            </a:solidFill>
-            <a:prstDash val="dash"/>
-          </a:ln>
-        </p:spPr>
-        <p:style>
-          <a:lnRef idx="2">
-            <a:schemeClr val="accent1">
-              <a:shade val="50000"/>
-            </a:schemeClr>
-          </a:lnRef>
-          <a:fillRef idx="1">
-            <a:schemeClr val="accent1"/>
-          </a:fillRef>
-          <a:effectRef idx="0">
-            <a:schemeClr val="accent1"/>
-          </a:effectRef>
-          <a:fontRef idx="minor">
-            <a:schemeClr val="lt1"/>
-          </a:fontRef>
-        </p:style>
-        <p:txBody>
-          <a:bodyPr rtlCol="0" anchor="ctr"/>
-          <a:lstStyle/>
-          <a:p>
-            <a:pPr algn="ctr"/>
-            <a:endParaRPr kumimoji="1" lang="ja-JP" altLang="en-US" dirty="0"/>
-          </a:p>
-        </p:txBody>
-      </p:sp>
-      <p:sp>
-        <p:nvSpPr>
-          <p:cNvPr id="7" name="テキスト ボックス 6">
-            <a:extLst>
-              <a:ext uri="{FF2B5EF4-FFF2-40B4-BE49-F238E27FC236}">
-                <a16:creationId xmlns:a16="http://schemas.microsoft.com/office/drawing/2014/main" id="{2E21BE18-EF15-4C28-B435-ABB8E5CE5CA8}"/>
-              </a:ext>
-            </a:extLst>
-          </p:cNvPr>
-          <p:cNvSpPr txBox="1"/>
-          <p:nvPr/>
-        </p:nvSpPr>
-        <p:spPr>
-          <a:xfrm>
-            <a:off x="461317" y="2143037"/>
-            <a:ext cx="1787611" cy="461665"/>
-          </a:xfrm>
-          <a:prstGeom prst="rect">
-            <a:avLst/>
-          </a:prstGeom>
-          <a:noFill/>
-        </p:spPr>
-        <p:txBody>
-          <a:bodyPr wrap="square" rtlCol="0">
-            <a:spAutoFit/>
-          </a:bodyPr>
-          <a:lstStyle/>
-          <a:p>
-            <a:r>
-              <a:rPr kumimoji="1" lang="ja-JP" altLang="en-US" sz="2400" u="sng" dirty="0"/>
-              <a:t>機械学習</a:t>
-            </a:r>
-          </a:p>
-        </p:txBody>
-      </p:sp>
-      <p:sp>
-        <p:nvSpPr>
-          <p:cNvPr id="8" name="正方形/長方形 7">
-            <a:extLst>
-              <a:ext uri="{FF2B5EF4-FFF2-40B4-BE49-F238E27FC236}">
-                <a16:creationId xmlns:a16="http://schemas.microsoft.com/office/drawing/2014/main" id="{8860DA18-54C3-1DF7-42E7-BDF184CEC0EB}"/>
-              </a:ext>
-            </a:extLst>
-          </p:cNvPr>
-          <p:cNvSpPr/>
-          <p:nvPr/>
-        </p:nvSpPr>
-        <p:spPr>
-          <a:xfrm>
-            <a:off x="4209534" y="544714"/>
-            <a:ext cx="4530811" cy="2396278"/>
-          </a:xfrm>
-          <a:prstGeom prst="rect">
-            <a:avLst/>
-          </a:prstGeom>
-          <a:noFill/>
-          <a:ln>
-            <a:solidFill>
-              <a:schemeClr val="tx1"/>
-            </a:solidFill>
-            <a:prstDash val="dash"/>
-          </a:ln>
-        </p:spPr>
-        <p:style>
-          <a:lnRef idx="2">
-            <a:schemeClr val="accent1">
-              <a:shade val="50000"/>
-            </a:schemeClr>
-          </a:lnRef>
-          <a:fillRef idx="1">
-            <a:schemeClr val="accent1"/>
-          </a:fillRef>
-          <a:effectRef idx="0">
-            <a:schemeClr val="accent1"/>
-          </a:effectRef>
-          <a:fontRef idx="minor">
-            <a:schemeClr val="lt1"/>
-          </a:fontRef>
-        </p:style>
-        <p:txBody>
-          <a:bodyPr rtlCol="0" anchor="ctr"/>
-          <a:lstStyle/>
-          <a:p>
-            <a:pPr algn="ctr"/>
-            <a:endParaRPr kumimoji="1" lang="ja-JP" altLang="en-US" dirty="0"/>
-          </a:p>
-        </p:txBody>
-      </p:sp>
-      <p:sp>
-        <p:nvSpPr>
-          <p:cNvPr id="9" name="テキスト ボックス 8">
-            <a:extLst>
-              <a:ext uri="{FF2B5EF4-FFF2-40B4-BE49-F238E27FC236}">
-                <a16:creationId xmlns:a16="http://schemas.microsoft.com/office/drawing/2014/main" id="{2FCD229A-5023-48D5-887B-D8F74C2B4104}"/>
-              </a:ext>
-            </a:extLst>
-          </p:cNvPr>
-          <p:cNvSpPr txBox="1"/>
-          <p:nvPr/>
-        </p:nvSpPr>
-        <p:spPr>
-          <a:xfrm>
-            <a:off x="4319913" y="590401"/>
-            <a:ext cx="2112692" cy="400110"/>
-          </a:xfrm>
-          <a:prstGeom prst="rect">
-            <a:avLst/>
-          </a:prstGeom>
-          <a:noFill/>
-        </p:spPr>
-        <p:txBody>
-          <a:bodyPr wrap="square" rtlCol="0">
-            <a:spAutoFit/>
-          </a:bodyPr>
-          <a:lstStyle/>
-          <a:p>
-            <a:r>
-              <a:rPr kumimoji="1" lang="ja-JP" altLang="en-US" sz="2000" u="sng" dirty="0"/>
-              <a:t>教師あり学習</a:t>
-            </a:r>
-          </a:p>
-        </p:txBody>
-      </p:sp>
-      <p:sp>
-        <p:nvSpPr>
-          <p:cNvPr id="10" name="正方形/長方形 9">
-            <a:extLst>
-              <a:ext uri="{FF2B5EF4-FFF2-40B4-BE49-F238E27FC236}">
-                <a16:creationId xmlns:a16="http://schemas.microsoft.com/office/drawing/2014/main" id="{8466EC83-66D1-B645-68C7-C9410740F562}"/>
-              </a:ext>
-            </a:extLst>
-          </p:cNvPr>
-          <p:cNvSpPr/>
-          <p:nvPr/>
-        </p:nvSpPr>
-        <p:spPr>
-          <a:xfrm>
-            <a:off x="4209534" y="3172572"/>
-            <a:ext cx="4530811" cy="2333642"/>
-          </a:xfrm>
-          <a:prstGeom prst="rect">
-            <a:avLst/>
-          </a:prstGeom>
-          <a:noFill/>
-          <a:ln>
-            <a:solidFill>
-              <a:schemeClr val="tx1"/>
-            </a:solidFill>
-            <a:prstDash val="dash"/>
-          </a:ln>
-        </p:spPr>
-        <p:style>
-          <a:lnRef idx="2">
-            <a:schemeClr val="accent1">
-              <a:shade val="50000"/>
-            </a:schemeClr>
-          </a:lnRef>
-          <a:fillRef idx="1">
-            <a:schemeClr val="accent1"/>
-          </a:fillRef>
-          <a:effectRef idx="0">
-            <a:schemeClr val="accent1"/>
-          </a:effectRef>
-          <a:fontRef idx="minor">
-            <a:schemeClr val="lt1"/>
-          </a:fontRef>
-        </p:style>
-        <p:txBody>
-          <a:bodyPr rtlCol="0" anchor="ctr"/>
-          <a:lstStyle/>
-          <a:p>
-            <a:pPr algn="ctr"/>
-            <a:endParaRPr kumimoji="1" lang="ja-JP" altLang="en-US" dirty="0"/>
-          </a:p>
-        </p:txBody>
-      </p:sp>
-      <p:sp>
-        <p:nvSpPr>
-          <p:cNvPr id="11" name="テキスト ボックス 10">
-            <a:extLst>
-              <a:ext uri="{FF2B5EF4-FFF2-40B4-BE49-F238E27FC236}">
-                <a16:creationId xmlns:a16="http://schemas.microsoft.com/office/drawing/2014/main" id="{775572FE-7D88-CC88-B0D7-8143C2C11298}"/>
-              </a:ext>
-            </a:extLst>
-          </p:cNvPr>
-          <p:cNvSpPr txBox="1"/>
-          <p:nvPr/>
-        </p:nvSpPr>
-        <p:spPr>
-          <a:xfrm>
-            <a:off x="4319912" y="3217921"/>
-            <a:ext cx="2274718" cy="400110"/>
-          </a:xfrm>
-          <a:prstGeom prst="rect">
-            <a:avLst/>
-          </a:prstGeom>
-          <a:noFill/>
-        </p:spPr>
-        <p:txBody>
-          <a:bodyPr wrap="square" rtlCol="0">
-            <a:spAutoFit/>
-          </a:bodyPr>
-          <a:lstStyle/>
-          <a:p>
-            <a:r>
-              <a:rPr kumimoji="1" lang="ja-JP" altLang="en-US" sz="2000" u="sng" dirty="0"/>
-              <a:t>教師なし学習</a:t>
-            </a:r>
-          </a:p>
-        </p:txBody>
-      </p:sp>
-      <p:cxnSp>
-        <p:nvCxnSpPr>
-          <p:cNvPr id="14" name="直線矢印コネクタ 13">
-            <a:extLst>
-              <a:ext uri="{FF2B5EF4-FFF2-40B4-BE49-F238E27FC236}">
-                <a16:creationId xmlns:a16="http://schemas.microsoft.com/office/drawing/2014/main" id="{66EBB038-1E7C-AFD4-DB12-BA310C6ADA97}"/>
-              </a:ext>
-            </a:extLst>
-          </p:cNvPr>
-          <p:cNvCxnSpPr>
-            <a:cxnSpLocks/>
-            <a:stCxn id="6" idx="3"/>
-            <a:endCxn id="10" idx="1"/>
-          </p:cNvCxnSpPr>
-          <p:nvPr/>
-        </p:nvCxnSpPr>
-        <p:spPr>
-          <a:xfrm>
-            <a:off x="3286897" y="2748065"/>
-            <a:ext cx="922637" cy="1591328"/>
-          </a:xfrm>
-          <a:prstGeom prst="bentConnector3">
-            <a:avLst>
-              <a:gd name="adj1" fmla="val 50000"/>
-            </a:avLst>
-          </a:prstGeom>
-          <a:ln w="38100">
-            <a:solidFill>
-              <a:schemeClr val="tx1"/>
-            </a:solidFill>
-            <a:tailEnd type="triangle"/>
-          </a:ln>
-        </p:spPr>
-        <p:style>
-          <a:lnRef idx="1">
-            <a:schemeClr val="accent1"/>
-          </a:lnRef>
-          <a:fillRef idx="0">
-            <a:schemeClr val="accent1"/>
-          </a:fillRef>
-          <a:effectRef idx="0">
-            <a:schemeClr val="accent1"/>
-          </a:effectRef>
-          <a:fontRef idx="minor">
-            <a:schemeClr val="tx1"/>
-          </a:fontRef>
-        </p:style>
-      </p:cxnSp>
-      <p:cxnSp>
-        <p:nvCxnSpPr>
-          <p:cNvPr id="15" name="直線矢印コネクタ 14">
-            <a:extLst>
-              <a:ext uri="{FF2B5EF4-FFF2-40B4-BE49-F238E27FC236}">
-                <a16:creationId xmlns:a16="http://schemas.microsoft.com/office/drawing/2014/main" id="{ADA709EA-0BFC-D561-72EA-4DF62AD1193F}"/>
-              </a:ext>
-            </a:extLst>
-          </p:cNvPr>
-          <p:cNvCxnSpPr>
-            <a:cxnSpLocks/>
-            <a:stCxn id="6" idx="3"/>
-            <a:endCxn id="8" idx="1"/>
-          </p:cNvCxnSpPr>
-          <p:nvPr/>
-        </p:nvCxnSpPr>
-        <p:spPr>
-          <a:xfrm flipV="1">
-            <a:off x="3286897" y="1742853"/>
-            <a:ext cx="922637" cy="1005212"/>
-          </a:xfrm>
-          <a:prstGeom prst="bentConnector3">
-            <a:avLst>
-              <a:gd name="adj1" fmla="val 50000"/>
-            </a:avLst>
-          </a:prstGeom>
-          <a:ln w="38100">
-            <a:solidFill>
-              <a:schemeClr val="tx1"/>
-            </a:solidFill>
-            <a:tailEnd type="triangle"/>
-          </a:ln>
-        </p:spPr>
-        <p:style>
-          <a:lnRef idx="1">
-            <a:schemeClr val="accent1"/>
-          </a:lnRef>
-          <a:fillRef idx="0">
-            <a:schemeClr val="accent1"/>
-          </a:fillRef>
-          <a:effectRef idx="0">
-            <a:schemeClr val="accent1"/>
-          </a:effectRef>
-          <a:fontRef idx="minor">
-            <a:schemeClr val="tx1"/>
-          </a:fontRef>
-        </p:style>
-      </p:cxnSp>
-      <p:sp>
-        <p:nvSpPr>
-          <p:cNvPr id="2" name="テキスト ボックス 1">
-            <a:extLst>
-              <a:ext uri="{FF2B5EF4-FFF2-40B4-BE49-F238E27FC236}">
-                <a16:creationId xmlns:a16="http://schemas.microsoft.com/office/drawing/2014/main" id="{D7ECD203-5F99-56B5-6627-DBA59217BDE8}"/>
-              </a:ext>
-            </a:extLst>
-          </p:cNvPr>
-          <p:cNvSpPr txBox="1"/>
-          <p:nvPr/>
-        </p:nvSpPr>
-        <p:spPr>
-          <a:xfrm>
-            <a:off x="612284" y="2605192"/>
-            <a:ext cx="2572625" cy="646331"/>
-          </a:xfrm>
-          <a:prstGeom prst="rect">
-            <a:avLst/>
-          </a:prstGeom>
-          <a:noFill/>
-        </p:spPr>
-        <p:txBody>
-          <a:bodyPr wrap="square" rtlCol="0">
-            <a:spAutoFit/>
-          </a:bodyPr>
-          <a:lstStyle/>
-          <a:p>
-            <a:r>
-              <a:rPr kumimoji="1" lang="ja-JP" altLang="en-US" dirty="0"/>
-              <a:t>・</a:t>
-            </a:r>
-            <a:r>
-              <a:rPr lang="ja-JP" altLang="en-US" dirty="0"/>
-              <a:t>データから規則を学び</a:t>
-            </a:r>
-            <a:endParaRPr lang="en-US" altLang="ja-JP" dirty="0"/>
-          </a:p>
-          <a:p>
-            <a:r>
-              <a:rPr lang="ja-JP" altLang="en-US" dirty="0"/>
-              <a:t>　予測・分類する方法</a:t>
-            </a:r>
-            <a:endParaRPr kumimoji="1" lang="ja-JP" altLang="en-US" dirty="0"/>
-          </a:p>
-        </p:txBody>
-      </p:sp>
-      <p:sp>
-        <p:nvSpPr>
-          <p:cNvPr id="25" name="テキスト ボックス 24">
-            <a:extLst>
-              <a:ext uri="{FF2B5EF4-FFF2-40B4-BE49-F238E27FC236}">
-                <a16:creationId xmlns:a16="http://schemas.microsoft.com/office/drawing/2014/main" id="{2CF64BA6-17F8-9E59-69B1-31F33242C350}"/>
-              </a:ext>
-            </a:extLst>
-          </p:cNvPr>
-          <p:cNvSpPr txBox="1"/>
-          <p:nvPr/>
-        </p:nvSpPr>
-        <p:spPr>
-          <a:xfrm>
-            <a:off x="4209534" y="1044077"/>
-            <a:ext cx="4359176" cy="646331"/>
-          </a:xfrm>
-          <a:prstGeom prst="rect">
-            <a:avLst/>
-          </a:prstGeom>
-          <a:noFill/>
-        </p:spPr>
-        <p:txBody>
-          <a:bodyPr wrap="square" rtlCol="0">
-            <a:spAutoFit/>
-          </a:bodyPr>
-          <a:lstStyle/>
-          <a:p>
-            <a:r>
-              <a:rPr kumimoji="1" lang="ja-JP" altLang="en-US" dirty="0"/>
-              <a:t>・入力データと出力データを与えて学習させ，</a:t>
-            </a:r>
-            <a:endParaRPr kumimoji="1" lang="en-US" altLang="ja-JP" dirty="0"/>
-          </a:p>
-          <a:p>
-            <a:r>
-              <a:rPr kumimoji="1" lang="ja-JP" altLang="en-US" dirty="0"/>
-              <a:t>　予測・分類する方法</a:t>
-            </a:r>
-          </a:p>
-        </p:txBody>
-      </p:sp>
-      <p:sp>
-        <p:nvSpPr>
-          <p:cNvPr id="26" name="テキスト ボックス 25">
-            <a:extLst>
-              <a:ext uri="{FF2B5EF4-FFF2-40B4-BE49-F238E27FC236}">
-                <a16:creationId xmlns:a16="http://schemas.microsoft.com/office/drawing/2014/main" id="{E940E79A-113F-CF7F-81B6-B6679EE05CBA}"/>
-              </a:ext>
-            </a:extLst>
-          </p:cNvPr>
-          <p:cNvSpPr txBox="1"/>
-          <p:nvPr/>
-        </p:nvSpPr>
-        <p:spPr>
-          <a:xfrm>
-            <a:off x="4253017" y="3663380"/>
-            <a:ext cx="4359176" cy="646331"/>
-          </a:xfrm>
-          <a:prstGeom prst="rect">
-            <a:avLst/>
-          </a:prstGeom>
-          <a:noFill/>
-        </p:spPr>
-        <p:txBody>
-          <a:bodyPr wrap="square" rtlCol="0">
-            <a:spAutoFit/>
-          </a:bodyPr>
-          <a:lstStyle/>
-          <a:p>
-            <a:r>
-              <a:rPr kumimoji="1" lang="ja-JP" altLang="en-US" dirty="0"/>
-              <a:t>・入力データのみを与えて学習させ，</a:t>
-            </a:r>
-            <a:endParaRPr kumimoji="1" lang="en-US" altLang="ja-JP" dirty="0"/>
-          </a:p>
-          <a:p>
-            <a:r>
-              <a:rPr kumimoji="1" lang="ja-JP" altLang="en-US" dirty="0"/>
-              <a:t>　予測・分類する方法</a:t>
-            </a:r>
-          </a:p>
-        </p:txBody>
-      </p:sp>
-      <p:sp>
-        <p:nvSpPr>
-          <p:cNvPr id="27" name="テキスト ボックス 26">
-            <a:extLst>
-              <a:ext uri="{FF2B5EF4-FFF2-40B4-BE49-F238E27FC236}">
-                <a16:creationId xmlns:a16="http://schemas.microsoft.com/office/drawing/2014/main" id="{2A130A91-F791-8C1F-243D-4F0EBAC70B70}"/>
-              </a:ext>
-            </a:extLst>
-          </p:cNvPr>
-          <p:cNvSpPr txBox="1"/>
-          <p:nvPr/>
-        </p:nvSpPr>
-        <p:spPr>
-          <a:xfrm>
-            <a:off x="4319912" y="4435363"/>
-            <a:ext cx="3124130" cy="369332"/>
-          </a:xfrm>
-          <a:prstGeom prst="rect">
-            <a:avLst/>
-          </a:prstGeom>
-          <a:noFill/>
-        </p:spPr>
-        <p:txBody>
-          <a:bodyPr wrap="square" rtlCol="0">
-            <a:spAutoFit/>
-          </a:bodyPr>
-          <a:lstStyle/>
-          <a:p>
-            <a:r>
-              <a:rPr kumimoji="1" lang="ja-JP" altLang="en-US" dirty="0"/>
-              <a:t>・データの分類　→　</a:t>
-            </a:r>
-            <a:r>
-              <a:rPr kumimoji="1" lang="en-US" altLang="ja-JP" dirty="0"/>
-              <a:t>k-means</a:t>
-            </a:r>
-            <a:endParaRPr kumimoji="1" lang="ja-JP" altLang="en-US" dirty="0"/>
-          </a:p>
-        </p:txBody>
-      </p:sp>
-      <p:sp>
-        <p:nvSpPr>
-          <p:cNvPr id="28" name="テキスト ボックス 27">
-            <a:extLst>
-              <a:ext uri="{FF2B5EF4-FFF2-40B4-BE49-F238E27FC236}">
-                <a16:creationId xmlns:a16="http://schemas.microsoft.com/office/drawing/2014/main" id="{2B3D4047-86C4-1AFF-D8D9-C96C81BF71F1}"/>
-              </a:ext>
-            </a:extLst>
-          </p:cNvPr>
-          <p:cNvSpPr txBox="1"/>
-          <p:nvPr/>
-        </p:nvSpPr>
-        <p:spPr>
-          <a:xfrm>
-            <a:off x="4319912" y="4966555"/>
-            <a:ext cx="2559501" cy="369332"/>
-          </a:xfrm>
-          <a:prstGeom prst="rect">
-            <a:avLst/>
-          </a:prstGeom>
-          <a:noFill/>
-        </p:spPr>
-        <p:txBody>
-          <a:bodyPr wrap="square" rtlCol="0">
-            <a:spAutoFit/>
-          </a:bodyPr>
-          <a:lstStyle/>
-          <a:p>
-            <a:r>
-              <a:rPr kumimoji="1" lang="ja-JP" altLang="en-US" dirty="0"/>
-              <a:t>・次元削減　→　</a:t>
-            </a:r>
-            <a:r>
-              <a:rPr kumimoji="1" lang="en-US" altLang="ja-JP" dirty="0"/>
-              <a:t>PCA</a:t>
-            </a:r>
-            <a:endParaRPr kumimoji="1" lang="ja-JP" altLang="en-US" dirty="0"/>
-          </a:p>
-        </p:txBody>
-      </p:sp>
-      <p:sp>
-        <p:nvSpPr>
-          <p:cNvPr id="29" name="テキスト ボックス 28">
-            <a:extLst>
-              <a:ext uri="{FF2B5EF4-FFF2-40B4-BE49-F238E27FC236}">
-                <a16:creationId xmlns:a16="http://schemas.microsoft.com/office/drawing/2014/main" id="{B3A8D902-8567-070F-FF07-50FB561D75FB}"/>
-              </a:ext>
-            </a:extLst>
-          </p:cNvPr>
-          <p:cNvSpPr txBox="1"/>
-          <p:nvPr/>
-        </p:nvSpPr>
-        <p:spPr>
-          <a:xfrm>
-            <a:off x="4253017" y="1760693"/>
-            <a:ext cx="3124130" cy="369332"/>
-          </a:xfrm>
-          <a:prstGeom prst="rect">
-            <a:avLst/>
-          </a:prstGeom>
-          <a:noFill/>
-        </p:spPr>
-        <p:txBody>
-          <a:bodyPr wrap="square" rtlCol="0">
-            <a:spAutoFit/>
-          </a:bodyPr>
-          <a:lstStyle/>
-          <a:p>
-            <a:r>
-              <a:rPr kumimoji="1" lang="ja-JP" altLang="en-US" dirty="0"/>
-              <a:t>・物性の予測　→　線形回帰</a:t>
-            </a:r>
-          </a:p>
-        </p:txBody>
-      </p:sp>
     </p:spTree>
     <p:extLst>
       <p:ext uri="{BB962C8B-B14F-4D97-AF65-F5344CB8AC3E}">
